--- a/docs/Presentation.pptx
+++ b/docs/Presentation.pptx
@@ -10,14 +10,14 @@
   <p:sldIdLst>
     <p:sldId id="256" r:id="rId2"/>
     <p:sldId id="257" r:id="rId3"/>
-    <p:sldId id="258" r:id="rId4"/>
-    <p:sldId id="264" r:id="rId5"/>
-    <p:sldId id="265" r:id="rId6"/>
-    <p:sldId id="267" r:id="rId7"/>
-    <p:sldId id="266" r:id="rId8"/>
-    <p:sldId id="259" r:id="rId9"/>
-    <p:sldId id="268" r:id="rId10"/>
-    <p:sldId id="269" r:id="rId11"/>
+    <p:sldId id="271" r:id="rId4"/>
+    <p:sldId id="272" r:id="rId5"/>
+    <p:sldId id="273" r:id="rId6"/>
+    <p:sldId id="258" r:id="rId7"/>
+    <p:sldId id="264" r:id="rId8"/>
+    <p:sldId id="265" r:id="rId9"/>
+    <p:sldId id="267" r:id="rId10"/>
+    <p:sldId id="266" r:id="rId11"/>
     <p:sldId id="260" r:id="rId12"/>
     <p:sldId id="270" r:id="rId13"/>
     <p:sldId id="261" r:id="rId14"/>
@@ -2084,7 +2084,7 @@
         <a:p>
           <a:r>
             <a:rPr lang="en-CA" sz="2800" b="1" dirty="0" smtClean="0"/>
-            <a:t>Design</a:t>
+            <a:t>Management</a:t>
           </a:r>
           <a:endParaRPr lang="en-CA" sz="2800" b="1" dirty="0"/>
         </a:p>
@@ -2121,7 +2121,7 @@
         <a:p>
           <a:r>
             <a:rPr lang="en-CA" sz="2800" b="1" dirty="0" smtClean="0"/>
-            <a:t>Management</a:t>
+            <a:t>Design</a:t>
           </a:r>
           <a:endParaRPr lang="en-CA" sz="2800" b="1" dirty="0"/>
         </a:p>
@@ -2268,6 +2268,13 @@
         </dgm:presLayoutVars>
       </dgm:prSet>
       <dgm:spPr/>
+      <dgm:t>
+        <a:bodyPr/>
+        <a:lstStyle/>
+        <a:p>
+          <a:endParaRPr lang="en-CA"/>
+        </a:p>
+      </dgm:t>
     </dgm:pt>
     <dgm:pt modelId="{50A0AE51-E648-4074-8604-52EC39D719EF}" type="pres">
       <dgm:prSet presAssocID="{C2A38B24-4746-4D58-B1E2-FCC06EBC4A6F}" presName="cycle" presStyleCnt="0"/>
@@ -2280,10 +2287,24 @@
         </dgm:presLayoutVars>
       </dgm:prSet>
       <dgm:spPr/>
+      <dgm:t>
+        <a:bodyPr/>
+        <a:lstStyle/>
+        <a:p>
+          <a:endParaRPr lang="en-CA"/>
+        </a:p>
+      </dgm:t>
     </dgm:pt>
     <dgm:pt modelId="{50D18987-78FF-4F1D-9EA6-2AE3BB0DD5C5}" type="pres">
       <dgm:prSet presAssocID="{00C808C9-76B6-4BCB-935B-08E5E4B074A1}" presName="sibTransFirstNode" presStyleLbl="bgShp" presStyleIdx="0" presStyleCnt="1"/>
       <dgm:spPr/>
+      <dgm:t>
+        <a:bodyPr/>
+        <a:lstStyle/>
+        <a:p>
+          <a:endParaRPr lang="en-CA"/>
+        </a:p>
+      </dgm:t>
     </dgm:pt>
     <dgm:pt modelId="{E9D14A7C-19E1-40D5-AEC7-50E2A88D00CE}" type="pres">
       <dgm:prSet presAssocID="{B75D3C6F-DEF4-4DC5-97EE-E1C2A84CC81F}" presName="nodeFollowingNodes" presStyleLbl="node1" presStyleIdx="1" presStyleCnt="5">
@@ -2292,6 +2313,13 @@
         </dgm:presLayoutVars>
       </dgm:prSet>
       <dgm:spPr/>
+      <dgm:t>
+        <a:bodyPr/>
+        <a:lstStyle/>
+        <a:p>
+          <a:endParaRPr lang="en-CA"/>
+        </a:p>
+      </dgm:t>
     </dgm:pt>
     <dgm:pt modelId="{CDD30D5A-AD1F-4CC3-82D9-D6C71E99A9B3}" type="pres">
       <dgm:prSet presAssocID="{5C689F80-6741-48AE-AF54-1A62948199F4}" presName="nodeFollowingNodes" presStyleLbl="node1" presStyleIdx="2" presStyleCnt="5">
@@ -2300,6 +2328,13 @@
         </dgm:presLayoutVars>
       </dgm:prSet>
       <dgm:spPr/>
+      <dgm:t>
+        <a:bodyPr/>
+        <a:lstStyle/>
+        <a:p>
+          <a:endParaRPr lang="en-CA"/>
+        </a:p>
+      </dgm:t>
     </dgm:pt>
     <dgm:pt modelId="{DA16DA8B-5A62-4B10-B5A3-54F1224F1EA1}" type="pres">
       <dgm:prSet presAssocID="{D4F03E4F-F357-443C-B231-BBE8BEB9D2E2}" presName="nodeFollowingNodes" presStyleLbl="node1" presStyleIdx="3" presStyleCnt="5">
@@ -2308,6 +2343,13 @@
         </dgm:presLayoutVars>
       </dgm:prSet>
       <dgm:spPr/>
+      <dgm:t>
+        <a:bodyPr/>
+        <a:lstStyle/>
+        <a:p>
+          <a:endParaRPr lang="en-CA"/>
+        </a:p>
+      </dgm:t>
     </dgm:pt>
     <dgm:pt modelId="{4AEE3785-1429-47EC-BCF0-909166196772}" type="pres">
       <dgm:prSet presAssocID="{A635D65A-9B21-41CA-96AD-544D13FF2E13}" presName="nodeFollowingNodes" presStyleLbl="node1" presStyleIdx="4" presStyleCnt="5">
@@ -2316,21 +2358,28 @@
         </dgm:presLayoutVars>
       </dgm:prSet>
       <dgm:spPr/>
+      <dgm:t>
+        <a:bodyPr/>
+        <a:lstStyle/>
+        <a:p>
+          <a:endParaRPr lang="en-CA"/>
+        </a:p>
+      </dgm:t>
     </dgm:pt>
   </dgm:ptLst>
   <dgm:cxnLst>
     <dgm:cxn modelId="{C21943D2-4121-49B0-9C58-55D72F6BA808}" type="presOf" srcId="{B75D3C6F-DEF4-4DC5-97EE-E1C2A84CC81F}" destId="{E9D14A7C-19E1-40D5-AEC7-50E2A88D00CE}" srcOrd="0" destOrd="0" presId="urn:microsoft.com/office/officeart/2005/8/layout/cycle3"/>
+    <dgm:cxn modelId="{8ABB91DC-3BF6-4E71-BBF0-C3E16198AD33}" srcId="{C2A38B24-4746-4D58-B1E2-FCC06EBC4A6F}" destId="{33B672BC-EB17-4152-8D3B-106DB659E171}" srcOrd="0" destOrd="0" parTransId="{99FFF8F8-6BD7-4E99-8CE5-EBF8603E67A2}" sibTransId="{00C808C9-76B6-4BCB-935B-08E5E4B074A1}"/>
+    <dgm:cxn modelId="{4E287943-47C0-47F0-96CD-5BA5A8F1A70D}" type="presOf" srcId="{D4F03E4F-F357-443C-B231-BBE8BEB9D2E2}" destId="{DA16DA8B-5A62-4B10-B5A3-54F1224F1EA1}" srcOrd="0" destOrd="0" presId="urn:microsoft.com/office/officeart/2005/8/layout/cycle3"/>
+    <dgm:cxn modelId="{615F12B4-D006-4373-91AD-F67791387F0A}" type="presOf" srcId="{C2A38B24-4746-4D58-B1E2-FCC06EBC4A6F}" destId="{A7425256-6EE2-4F53-A511-E53F48FCA854}" srcOrd="0" destOrd="0" presId="urn:microsoft.com/office/officeart/2005/8/layout/cycle3"/>
     <dgm:cxn modelId="{C78506B7-5DAF-4B38-BC24-BD5F6521F484}" type="presOf" srcId="{00C808C9-76B6-4BCB-935B-08E5E4B074A1}" destId="{50D18987-78FF-4F1D-9EA6-2AE3BB0DD5C5}" srcOrd="0" destOrd="0" presId="urn:microsoft.com/office/officeart/2005/8/layout/cycle3"/>
-    <dgm:cxn modelId="{32086250-35C3-4EF5-816F-01A031D1475C}" type="presOf" srcId="{A635D65A-9B21-41CA-96AD-544D13FF2E13}" destId="{4AEE3785-1429-47EC-BCF0-909166196772}" srcOrd="0" destOrd="0" presId="urn:microsoft.com/office/officeart/2005/8/layout/cycle3"/>
-    <dgm:cxn modelId="{BE2DE007-A21A-4BD9-A821-05C186330B8F}" srcId="{C2A38B24-4746-4D58-B1E2-FCC06EBC4A6F}" destId="{B75D3C6F-DEF4-4DC5-97EE-E1C2A84CC81F}" srcOrd="1" destOrd="0" parTransId="{0B46517F-00DB-4D88-B0BB-6C0C26430C80}" sibTransId="{9FA07AA5-C3D2-40AE-9211-08F937A86ED1}"/>
+    <dgm:cxn modelId="{BF2A9ADC-743E-4C37-B066-D6A289696E25}" srcId="{C2A38B24-4746-4D58-B1E2-FCC06EBC4A6F}" destId="{A635D65A-9B21-41CA-96AD-544D13FF2E13}" srcOrd="4" destOrd="0" parTransId="{523F4C8E-3F05-4923-859A-2453BD9609BC}" sibTransId="{9C0F2589-8581-418A-A8D0-47F89CB9C5F1}"/>
+    <dgm:cxn modelId="{0FB07000-B7F7-49DC-9871-77C9B164FC74}" srcId="{C2A38B24-4746-4D58-B1E2-FCC06EBC4A6F}" destId="{5C689F80-6741-48AE-AF54-1A62948199F4}" srcOrd="2" destOrd="0" parTransId="{0E6BC6F3-F6EF-474B-93FB-D6B1D0F079BB}" sibTransId="{186C5277-0998-4328-B283-C8506D6F6B1A}"/>
     <dgm:cxn modelId="{71DF89AE-1CF6-4B21-A450-0EBCA564EC54}" type="presOf" srcId="{5C689F80-6741-48AE-AF54-1A62948199F4}" destId="{CDD30D5A-AD1F-4CC3-82D9-D6C71E99A9B3}" srcOrd="0" destOrd="0" presId="urn:microsoft.com/office/officeart/2005/8/layout/cycle3"/>
     <dgm:cxn modelId="{0E014C42-BA22-4D71-B1EC-6BA7FF33793E}" type="presOf" srcId="{33B672BC-EB17-4152-8D3B-106DB659E171}" destId="{45DEC10B-39F3-4594-BC47-1EA72C38B302}" srcOrd="0" destOrd="0" presId="urn:microsoft.com/office/officeart/2005/8/layout/cycle3"/>
+    <dgm:cxn modelId="{BE2DE007-A21A-4BD9-A821-05C186330B8F}" srcId="{C2A38B24-4746-4D58-B1E2-FCC06EBC4A6F}" destId="{B75D3C6F-DEF4-4DC5-97EE-E1C2A84CC81F}" srcOrd="1" destOrd="0" parTransId="{0B46517F-00DB-4D88-B0BB-6C0C26430C80}" sibTransId="{9FA07AA5-C3D2-40AE-9211-08F937A86ED1}"/>
+    <dgm:cxn modelId="{32086250-35C3-4EF5-816F-01A031D1475C}" type="presOf" srcId="{A635D65A-9B21-41CA-96AD-544D13FF2E13}" destId="{4AEE3785-1429-47EC-BCF0-909166196772}" srcOrd="0" destOrd="0" presId="urn:microsoft.com/office/officeart/2005/8/layout/cycle3"/>
     <dgm:cxn modelId="{F0AA758B-3556-4681-8757-5D44C73F0F93}" srcId="{C2A38B24-4746-4D58-B1E2-FCC06EBC4A6F}" destId="{D4F03E4F-F357-443C-B231-BBE8BEB9D2E2}" srcOrd="3" destOrd="0" parTransId="{5877C8E4-3D29-4F56-872A-CB683533B81B}" sibTransId="{E8D6E154-8D4A-47BB-A6A8-13E1001DE7DE}"/>
-    <dgm:cxn modelId="{4E287943-47C0-47F0-96CD-5BA5A8F1A70D}" type="presOf" srcId="{D4F03E4F-F357-443C-B231-BBE8BEB9D2E2}" destId="{DA16DA8B-5A62-4B10-B5A3-54F1224F1EA1}" srcOrd="0" destOrd="0" presId="urn:microsoft.com/office/officeart/2005/8/layout/cycle3"/>
-    <dgm:cxn modelId="{0FB07000-B7F7-49DC-9871-77C9B164FC74}" srcId="{C2A38B24-4746-4D58-B1E2-FCC06EBC4A6F}" destId="{5C689F80-6741-48AE-AF54-1A62948199F4}" srcOrd="2" destOrd="0" parTransId="{0E6BC6F3-F6EF-474B-93FB-D6B1D0F079BB}" sibTransId="{186C5277-0998-4328-B283-C8506D6F6B1A}"/>
-    <dgm:cxn modelId="{615F12B4-D006-4373-91AD-F67791387F0A}" type="presOf" srcId="{C2A38B24-4746-4D58-B1E2-FCC06EBC4A6F}" destId="{A7425256-6EE2-4F53-A511-E53F48FCA854}" srcOrd="0" destOrd="0" presId="urn:microsoft.com/office/officeart/2005/8/layout/cycle3"/>
-    <dgm:cxn modelId="{8ABB91DC-3BF6-4E71-BBF0-C3E16198AD33}" srcId="{C2A38B24-4746-4D58-B1E2-FCC06EBC4A6F}" destId="{33B672BC-EB17-4152-8D3B-106DB659E171}" srcOrd="0" destOrd="0" parTransId="{99FFF8F8-6BD7-4E99-8CE5-EBF8603E67A2}" sibTransId="{00C808C9-76B6-4BCB-935B-08E5E4B074A1}"/>
-    <dgm:cxn modelId="{BF2A9ADC-743E-4C37-B066-D6A289696E25}" srcId="{C2A38B24-4746-4D58-B1E2-FCC06EBC4A6F}" destId="{A635D65A-9B21-41CA-96AD-544D13FF2E13}" srcOrd="4" destOrd="0" parTransId="{523F4C8E-3F05-4923-859A-2453BD9609BC}" sibTransId="{9C0F2589-8581-418A-A8D0-47F89CB9C5F1}"/>
     <dgm:cxn modelId="{A4DA9D8C-8057-4BCE-B902-35B8198BA579}" type="presParOf" srcId="{A7425256-6EE2-4F53-A511-E53F48FCA854}" destId="{50A0AE51-E648-4074-8604-52EC39D719EF}" srcOrd="0" destOrd="0" presId="urn:microsoft.com/office/officeart/2005/8/layout/cycle3"/>
     <dgm:cxn modelId="{D531826B-B40F-4C59-90F1-F7289BED4268}" type="presParOf" srcId="{50A0AE51-E648-4074-8604-52EC39D719EF}" destId="{45DEC10B-39F3-4594-BC47-1EA72C38B302}" srcOrd="0" destOrd="0" presId="urn:microsoft.com/office/officeart/2005/8/layout/cycle3"/>
     <dgm:cxn modelId="{8B541B8A-E693-40DE-AC74-F1C3B075698F}" type="presParOf" srcId="{50A0AE51-E648-4074-8604-52EC39D719EF}" destId="{50D18987-78FF-4F1D-9EA6-2AE3BB0DD5C5}" srcOrd="1" destOrd="0" presId="urn:microsoft.com/office/officeart/2005/8/layout/cycle3"/>
@@ -2471,7 +2520,7 @@
           </a:pPr>
           <a:r>
             <a:rPr lang="en-CA" sz="2800" b="1" kern="1200" dirty="0" smtClean="0"/>
-            <a:t>Design</a:t>
+            <a:t>Management</a:t>
           </a:r>
           <a:endParaRPr lang="en-CA" sz="2800" b="1" kern="1200" dirty="0"/>
         </a:p>
@@ -2549,7 +2598,7 @@
           </a:pPr>
           <a:r>
             <a:rPr lang="en-CA" sz="2800" b="1" kern="1200" dirty="0" smtClean="0"/>
-            <a:t>Management</a:t>
+            <a:t>Design</a:t>
           </a:r>
           <a:endParaRPr lang="en-CA" sz="2800" b="1" kern="1200" dirty="0"/>
         </a:p>
@@ -4316,7 +4365,7 @@
           <a:p>
             <a:fld id="{5521A744-77AC-402E-9013-0E5B9DAECA56}" type="datetimeFigureOut">
               <a:rPr lang="en-CA" smtClean="0"/>
-              <a:t>29/01/2016</a:t>
+              <a:t>30/01/2016</a:t>
             </a:fld>
             <a:endParaRPr lang="en-CA"/>
           </a:p>
@@ -5078,7 +5127,7 @@
     </p:spTree>
     <p:extLst>
       <p:ext uri="{BB962C8B-B14F-4D97-AF65-F5344CB8AC3E}">
-        <p14:creationId xmlns:p14="http://schemas.microsoft.com/office/powerpoint/2010/main" val="276864608"/>
+        <p14:creationId xmlns:p14="http://schemas.microsoft.com/office/powerpoint/2010/main" val="828652157"/>
       </p:ext>
     </p:extLst>
   </p:cSld>
@@ -5162,7 +5211,7 @@
     </p:spTree>
     <p:extLst>
       <p:ext uri="{BB962C8B-B14F-4D97-AF65-F5344CB8AC3E}">
-        <p14:creationId xmlns:p14="http://schemas.microsoft.com/office/powerpoint/2010/main" val="3402677745"/>
+        <p14:creationId xmlns:p14="http://schemas.microsoft.com/office/powerpoint/2010/main" val="2558890903"/>
       </p:ext>
     </p:extLst>
   </p:cSld>
@@ -5237,7 +5286,7 @@
           <a:p>
             <a:fld id="{DD3F15CA-2077-4D6D-92E3-CE10F0FC169F}" type="slidenum">
               <a:rPr lang="en-CA" smtClean="0"/>
-              <a:t>5</a:t>
+              <a:t>6</a:t>
             </a:fld>
             <a:endParaRPr lang="en-CA"/>
           </a:p>
@@ -5246,7 +5295,7 @@
     </p:spTree>
     <p:extLst>
       <p:ext uri="{BB962C8B-B14F-4D97-AF65-F5344CB8AC3E}">
-        <p14:creationId xmlns:p14="http://schemas.microsoft.com/office/powerpoint/2010/main" val="1493150981"/>
+        <p14:creationId xmlns:p14="http://schemas.microsoft.com/office/powerpoint/2010/main" val="276864608"/>
       </p:ext>
     </p:extLst>
   </p:cSld>
@@ -5321,7 +5370,7 @@
           <a:p>
             <a:fld id="{DD3F15CA-2077-4D6D-92E3-CE10F0FC169F}" type="slidenum">
               <a:rPr lang="en-CA" smtClean="0"/>
-              <a:t>6</a:t>
+              <a:t>7</a:t>
             </a:fld>
             <a:endParaRPr lang="en-CA"/>
           </a:p>
@@ -5330,7 +5379,7 @@
     </p:spTree>
     <p:extLst>
       <p:ext uri="{BB962C8B-B14F-4D97-AF65-F5344CB8AC3E}">
-        <p14:creationId xmlns:p14="http://schemas.microsoft.com/office/powerpoint/2010/main" val="866628773"/>
+        <p14:creationId xmlns:p14="http://schemas.microsoft.com/office/powerpoint/2010/main" val="3402677745"/>
       </p:ext>
     </p:extLst>
   </p:cSld>
@@ -5405,7 +5454,7 @@
           <a:p>
             <a:fld id="{DD3F15CA-2077-4D6D-92E3-CE10F0FC169F}" type="slidenum">
               <a:rPr lang="en-CA" smtClean="0"/>
-              <a:t>7</a:t>
+              <a:t>8</a:t>
             </a:fld>
             <a:endParaRPr lang="en-CA"/>
           </a:p>
@@ -5414,7 +5463,7 @@
     </p:spTree>
     <p:extLst>
       <p:ext uri="{BB962C8B-B14F-4D97-AF65-F5344CB8AC3E}">
-        <p14:creationId xmlns:p14="http://schemas.microsoft.com/office/powerpoint/2010/main" val="2630507888"/>
+        <p14:creationId xmlns:p14="http://schemas.microsoft.com/office/powerpoint/2010/main" val="1493150981"/>
       </p:ext>
     </p:extLst>
   </p:cSld>
@@ -5489,7 +5538,7 @@
           <a:p>
             <a:fld id="{DD3F15CA-2077-4D6D-92E3-CE10F0FC169F}" type="slidenum">
               <a:rPr lang="en-CA" smtClean="0"/>
-              <a:t>8</a:t>
+              <a:t>9</a:t>
             </a:fld>
             <a:endParaRPr lang="en-CA"/>
           </a:p>
@@ -5498,7 +5547,7 @@
     </p:spTree>
     <p:extLst>
       <p:ext uri="{BB962C8B-B14F-4D97-AF65-F5344CB8AC3E}">
-        <p14:creationId xmlns:p14="http://schemas.microsoft.com/office/powerpoint/2010/main" val="204567140"/>
+        <p14:creationId xmlns:p14="http://schemas.microsoft.com/office/powerpoint/2010/main" val="866628773"/>
       </p:ext>
     </p:extLst>
   </p:cSld>
@@ -5573,7 +5622,7 @@
           <a:p>
             <a:fld id="{DD3F15CA-2077-4D6D-92E3-CE10F0FC169F}" type="slidenum">
               <a:rPr lang="en-CA" smtClean="0"/>
-              <a:t>9</a:t>
+              <a:t>10</a:t>
             </a:fld>
             <a:endParaRPr lang="en-CA"/>
           </a:p>
@@ -5582,7 +5631,7 @@
     </p:spTree>
     <p:extLst>
       <p:ext uri="{BB962C8B-B14F-4D97-AF65-F5344CB8AC3E}">
-        <p14:creationId xmlns:p14="http://schemas.microsoft.com/office/powerpoint/2010/main" val="2779884090"/>
+        <p14:creationId xmlns:p14="http://schemas.microsoft.com/office/powerpoint/2010/main" val="2630507888"/>
       </p:ext>
     </p:extLst>
   </p:cSld>
@@ -5839,7 +5888,7 @@
           <a:p>
             <a:fld id="{637B12E4-4F5A-44E0-AB85-4C2991E024CC}" type="datetime1">
               <a:rPr lang="en-CA" smtClean="0"/>
-              <a:t>29/01/2016</a:t>
+              <a:t>30/01/2016</a:t>
             </a:fld>
             <a:endParaRPr lang="en-CA"/>
           </a:p>
@@ -6078,7 +6127,7 @@
           <a:p>
             <a:fld id="{7BCBBEAE-6E54-4A3A-B283-E9B2AB515A27}" type="datetime1">
               <a:rPr lang="en-CA" smtClean="0"/>
-              <a:t>29/01/2016</a:t>
+              <a:t>30/01/2016</a:t>
             </a:fld>
             <a:endParaRPr lang="en-CA"/>
           </a:p>
@@ -6359,7 +6408,7 @@
           <a:p>
             <a:fld id="{D4044D53-BEAB-469E-A59E-9FC23979ECD7}" type="datetime1">
               <a:rPr lang="en-CA" smtClean="0"/>
-              <a:t>29/01/2016</a:t>
+              <a:t>30/01/2016</a:t>
             </a:fld>
             <a:endParaRPr lang="en-CA"/>
           </a:p>
@@ -6630,7 +6679,7 @@
           <a:p>
             <a:fld id="{4D2CAE9A-08E0-40A8-BE56-D48B6835D8EB}" type="datetime1">
               <a:rPr lang="en-CA" smtClean="0"/>
-              <a:t>29/01/2016</a:t>
+              <a:t>30/01/2016</a:t>
             </a:fld>
             <a:endParaRPr lang="en-CA"/>
           </a:p>
@@ -6975,7 +7024,7 @@
           <a:p>
             <a:fld id="{B1CCC6F2-ABD4-4362-BF41-FD89ED3EEB49}" type="datetime1">
               <a:rPr lang="en-CA" smtClean="0"/>
-              <a:t>29/01/2016</a:t>
+              <a:t>30/01/2016</a:t>
             </a:fld>
             <a:endParaRPr lang="en-CA"/>
           </a:p>
@@ -7308,7 +7357,7 @@
           <a:p>
             <a:fld id="{EADE6446-FF6C-4F76-9294-E03D17C40033}" type="datetime1">
               <a:rPr lang="en-CA" smtClean="0"/>
-              <a:t>29/01/2016</a:t>
+              <a:t>30/01/2016</a:t>
             </a:fld>
             <a:endParaRPr lang="en-CA"/>
           </a:p>
@@ -7776,7 +7825,7 @@
           <a:p>
             <a:fld id="{6BC45E41-024F-47AC-A640-99AA0EC33B06}" type="datetime1">
               <a:rPr lang="en-CA" smtClean="0"/>
-              <a:t>29/01/2016</a:t>
+              <a:t>30/01/2016</a:t>
             </a:fld>
             <a:endParaRPr lang="en-CA"/>
           </a:p>
@@ -7995,7 +8044,7 @@
           <a:p>
             <a:fld id="{67486AB4-1879-447F-9108-2768050FEB76}" type="datetime1">
               <a:rPr lang="en-CA" smtClean="0"/>
-              <a:t>29/01/2016</a:t>
+              <a:t>30/01/2016</a:t>
             </a:fld>
             <a:endParaRPr lang="en-CA"/>
           </a:p>
@@ -8191,7 +8240,7 @@
           <a:p>
             <a:fld id="{48931130-28FE-42F0-BEAA-C4A169EA98A4}" type="datetime1">
               <a:rPr lang="en-CA" smtClean="0"/>
-              <a:t>29/01/2016</a:t>
+              <a:t>30/01/2016</a:t>
             </a:fld>
             <a:endParaRPr lang="en-CA"/>
           </a:p>
@@ -8569,7 +8618,7 @@
           <a:p>
             <a:fld id="{5825928A-27EB-4C59-9F89-1F5AAD53C823}" type="datetime1">
               <a:rPr lang="en-CA" smtClean="0"/>
-              <a:t>29/01/2016</a:t>
+              <a:t>30/01/2016</a:t>
             </a:fld>
             <a:endParaRPr lang="en-CA"/>
           </a:p>
@@ -8927,7 +8976,7 @@
           <a:p>
             <a:fld id="{C9D4C666-0071-41EC-B50C-33DC6D52344A}" type="datetime1">
               <a:rPr lang="en-CA" smtClean="0"/>
-              <a:t>29/01/2016</a:t>
+              <a:t>30/01/2016</a:t>
             </a:fld>
             <a:endParaRPr lang="en-CA"/>
           </a:p>
@@ -9223,7 +9272,7 @@
           <a:p>
             <a:fld id="{97B24334-58C2-450F-902C-C19F28AA0DA4}" type="datetime1">
               <a:rPr lang="en-CA" smtClean="0"/>
-              <a:t>29/01/2016</a:t>
+              <a:t>30/01/2016</a:t>
             </a:fld>
             <a:endParaRPr lang="en-CA"/>
           </a:p>
@@ -9729,7 +9778,7 @@
           <a:p>
             <a:fld id="{A304DFDB-27BA-4425-B41B-DF35E13B9B66}" type="datetime1">
               <a:rPr lang="en-CA" smtClean="0"/>
-              <a:t>29/01/2016</a:t>
+              <a:t>30/01/2016</a:t>
             </a:fld>
             <a:endParaRPr lang="en-CA" dirty="0"/>
           </a:p>
@@ -9821,7 +9870,80 @@
       </p:grpSpPr>
       <p:sp>
         <p:nvSpPr>
-          <p:cNvPr id="2" name="Date Placeholder 1"/>
+          <p:cNvPr id="2" name="Title 1"/>
+          <p:cNvSpPr>
+            <a:spLocks noGrp="1"/>
+          </p:cNvSpPr>
+          <p:nvPr>
+            <p:ph type="ctrTitle"/>
+          </p:nvPr>
+        </p:nvSpPr>
+        <p:spPr>
+          <a:xfrm>
+            <a:off x="685800" y="2138363"/>
+            <a:ext cx="7772400" cy="2387600"/>
+          </a:xfrm>
+        </p:spPr>
+        <p:txBody>
+          <a:bodyPr>
+            <a:noAutofit/>
+          </a:bodyPr>
+          <a:lstStyle/>
+          <a:p>
+            <a:pPr algn="ctr"/>
+            <a:r>
+              <a:rPr lang="en-CA" sz="8800" b="1" dirty="0" smtClean="0">
+                <a:solidFill>
+                  <a:srgbClr val="FF0000"/>
+                </a:solidFill>
+              </a:rPr>
+              <a:t>M</a:t>
+            </a:r>
+            <a:r>
+              <a:rPr lang="en-CA" sz="8800" b="1" dirty="0" smtClean="0"/>
+              <a:t>odel </a:t>
+            </a:r>
+            <a:br>
+              <a:rPr lang="en-CA" sz="8800" b="1" dirty="0" smtClean="0"/>
+            </a:br>
+            <a:r>
+              <a:rPr lang="en-CA" sz="8800" b="1" dirty="0" smtClean="0">
+                <a:solidFill>
+                  <a:srgbClr val="FF0000"/>
+                </a:solidFill>
+              </a:rPr>
+              <a:t>V</a:t>
+            </a:r>
+            <a:r>
+              <a:rPr lang="en-CA" sz="8800" b="1" dirty="0" smtClean="0"/>
+              <a:t>iew </a:t>
+            </a:r>
+            <a:br>
+              <a:rPr lang="en-CA" sz="8800" b="1" dirty="0" smtClean="0"/>
+            </a:br>
+            <a:r>
+              <a:rPr lang="en-CA" sz="8800" b="1" dirty="0" smtClean="0">
+                <a:solidFill>
+                  <a:srgbClr val="FF0000"/>
+                </a:solidFill>
+              </a:rPr>
+              <a:t>C</a:t>
+            </a:r>
+            <a:r>
+              <a:rPr lang="en-CA" sz="8800" b="1" dirty="0" smtClean="0"/>
+              <a:t>ontroller</a:t>
+            </a:r>
+            <a:endParaRPr lang="en-CA" sz="8800" b="1" dirty="0">
+              <a:solidFill>
+                <a:srgbClr val="FF0000"/>
+              </a:solidFill>
+            </a:endParaRPr>
+          </a:p>
+        </p:txBody>
+      </p:sp>
+      <p:sp>
+        <p:nvSpPr>
+          <p:cNvPr id="4" name="Date Placeholder 3"/>
           <p:cNvSpPr>
             <a:spLocks noGrp="1"/>
           </p:cNvSpPr>
@@ -9834,17 +9956,17 @@
           <a:bodyPr/>
           <a:lstStyle/>
           <a:p>
-            <a:fld id="{48931130-28FE-42F0-BEAA-C4A169EA98A4}" type="datetime1">
+            <a:fld id="{A304DFDB-27BA-4425-B41B-DF35E13B9B66}" type="datetime1">
               <a:rPr lang="en-CA" smtClean="0"/>
               <a:t>30/01/2016</a:t>
             </a:fld>
-            <a:endParaRPr lang="en-CA"/>
-          </a:p>
-        </p:txBody>
-      </p:sp>
-      <p:sp>
-        <p:nvSpPr>
-          <p:cNvPr id="3" name="Footer Placeholder 2"/>
+            <a:endParaRPr lang="en-CA" dirty="0"/>
+          </a:p>
+        </p:txBody>
+      </p:sp>
+      <p:sp>
+        <p:nvSpPr>
+          <p:cNvPr id="5" name="Footer Placeholder 4"/>
           <p:cNvSpPr>
             <a:spLocks noGrp="1"/>
           </p:cNvSpPr>
@@ -9858,7 +9980,7 @@
           <a:lstStyle/>
           <a:p>
             <a:r>
-              <a:rPr lang="en-CA" smtClean="0"/>
+              <a:rPr lang="en-CA" dirty="0" smtClean="0"/>
               <a:t>Terin Dhadda          Harit Patel          Nisarg Patel          Hui Chen</a:t>
             </a:r>
             <a:endParaRPr lang="en-CA" dirty="0"/>
@@ -9867,7 +9989,7 @@
       </p:sp>
       <p:sp>
         <p:nvSpPr>
-          <p:cNvPr id="4" name="Slide Number Placeholder 3"/>
+          <p:cNvPr id="6" name="Slide Number Placeholder 5"/>
           <p:cNvSpPr>
             <a:spLocks noGrp="1"/>
           </p:cNvSpPr>
@@ -9885,44 +10007,14 @@
               <a:pPr/>
               <a:t>10</a:t>
             </a:fld>
-            <a:endParaRPr lang="en-CA"/>
-          </a:p>
-        </p:txBody>
-      </p:sp>
-      <p:pic>
-        <p:nvPicPr>
-          <p:cNvPr id="5" name="Picture 4" descr="Screen Clipping"/>
-          <p:cNvPicPr>
-            <a:picLocks noChangeAspect="1"/>
-          </p:cNvPicPr>
-          <p:nvPr/>
-        </p:nvPicPr>
-        <p:blipFill>
-          <a:blip r:embed="rId2">
-            <a:extLst>
-              <a:ext uri="{28A0092B-C50C-407E-A947-70E740481C1C}">
-                <a14:useLocalDpi xmlns:a14="http://schemas.microsoft.com/office/drawing/2010/main" val="0"/>
-              </a:ext>
-            </a:extLst>
-          </a:blip>
-          <a:stretch>
-            <a:fillRect/>
-          </a:stretch>
-        </p:blipFill>
-        <p:spPr>
-          <a:xfrm>
-            <a:off x="1233700" y="1418555"/>
-            <a:ext cx="6767301" cy="4692106"/>
-          </a:xfrm>
-          <a:prstGeom prst="rect">
-            <a:avLst/>
-          </a:prstGeom>
-        </p:spPr>
-      </p:pic>
+            <a:endParaRPr lang="en-CA" dirty="0"/>
+          </a:p>
+        </p:txBody>
+      </p:sp>
     </p:spTree>
     <p:extLst>
       <p:ext uri="{BB962C8B-B14F-4D97-AF65-F5344CB8AC3E}">
-        <p14:creationId xmlns:p14="http://schemas.microsoft.com/office/powerpoint/2010/main" val="3763680237"/>
+        <p14:creationId xmlns:p14="http://schemas.microsoft.com/office/powerpoint/2010/main" val="2287638080"/>
       </p:ext>
     </p:extLst>
   </p:cSld>
@@ -10012,7 +10104,7 @@
           <a:p>
             <a:fld id="{A304DFDB-27BA-4425-B41B-DF35E13B9B66}" type="datetime1">
               <a:rPr lang="en-CA" smtClean="0"/>
-              <a:t>29/01/2016</a:t>
+              <a:t>30/01/2016</a:t>
             </a:fld>
             <a:endParaRPr lang="en-CA" dirty="0"/>
           </a:p>
@@ -10299,7 +10391,7 @@
           <a:p>
             <a:fld id="{A304DFDB-27BA-4425-B41B-DF35E13B9B66}" type="datetime1">
               <a:rPr lang="en-CA" smtClean="0"/>
-              <a:t>29/01/2016</a:t>
+              <a:t>30/01/2016</a:t>
             </a:fld>
             <a:endParaRPr lang="en-CA" dirty="0"/>
           </a:p>
@@ -10449,7 +10541,7 @@
           <a:p>
             <a:fld id="{A304DFDB-27BA-4425-B41B-DF35E13B9B66}" type="datetime1">
               <a:rPr lang="en-CA" smtClean="0"/>
-              <a:t>29/01/2016</a:t>
+              <a:t>30/01/2016</a:t>
             </a:fld>
             <a:endParaRPr lang="en-CA" dirty="0"/>
           </a:p>
@@ -10616,7 +10708,7 @@
           <a:p>
             <a:fld id="{A304DFDB-27BA-4425-B41B-DF35E13B9B66}" type="datetime1">
               <a:rPr lang="en-CA" smtClean="0"/>
-              <a:t>29/01/2016</a:t>
+              <a:t>30/01/2016</a:t>
             </a:fld>
             <a:endParaRPr lang="en-CA" dirty="0"/>
           </a:p>
@@ -10723,7 +10815,7 @@
           <a:p>
             <a:fld id="{4D2CAE9A-08E0-40A8-BE56-D48B6835D8EB}" type="datetime1">
               <a:rPr lang="en-CA" smtClean="0"/>
-              <a:t>29/01/2016</a:t>
+              <a:t>30/01/2016</a:t>
             </a:fld>
             <a:endParaRPr lang="en-CA"/>
           </a:p>
@@ -10783,7 +10875,7 @@
           <p:nvPr>
             <p:extLst>
               <p:ext uri="{D42A27DB-BD31-4B8C-83A1-F6EECF244321}">
-                <p14:modId xmlns:p14="http://schemas.microsoft.com/office/powerpoint/2010/main" val="511501438"/>
+                <p14:modId xmlns:p14="http://schemas.microsoft.com/office/powerpoint/2010/main" val="1683028896"/>
               </p:ext>
             </p:extLst>
           </p:nvPr>
@@ -10853,7 +10945,7 @@
         </p:spPr>
         <p:txBody>
           <a:bodyPr>
-            <a:normAutofit/>
+            <a:noAutofit/>
           </a:bodyPr>
           <a:lstStyle/>
           <a:p>
@@ -10864,7 +10956,7 @@
                   <a:srgbClr val="FF0000"/>
                 </a:solidFill>
               </a:rPr>
-              <a:t>Design </a:t>
+              <a:t>Management </a:t>
             </a:r>
             <a:r>
               <a:rPr lang="en-CA" sz="8800" b="1" dirty="0" smtClean="0"/>
@@ -10891,7 +10983,7 @@
           <a:p>
             <a:fld id="{A304DFDB-27BA-4425-B41B-DF35E13B9B66}" type="datetime1">
               <a:rPr lang="en-CA" smtClean="0"/>
-              <a:t>29/01/2016</a:t>
+              <a:t>30/01/2016</a:t>
             </a:fld>
             <a:endParaRPr lang="en-CA" dirty="0"/>
           </a:p>
@@ -10947,7 +11039,7 @@
     </p:spTree>
     <p:extLst>
       <p:ext uri="{BB962C8B-B14F-4D97-AF65-F5344CB8AC3E}">
-        <p14:creationId xmlns:p14="http://schemas.microsoft.com/office/powerpoint/2010/main" val="1147324721"/>
+        <p14:creationId xmlns:p14="http://schemas.microsoft.com/office/powerpoint/2010/main" val="2546957234"/>
       </p:ext>
     </p:extLst>
   </p:cSld>
@@ -10983,37 +11075,6 @@
       </p:grpSpPr>
       <p:sp>
         <p:nvSpPr>
-          <p:cNvPr id="2" name="Title 1"/>
-          <p:cNvSpPr>
-            <a:spLocks noGrp="1"/>
-          </p:cNvSpPr>
-          <p:nvPr>
-            <p:ph type="ctrTitle"/>
-          </p:nvPr>
-        </p:nvSpPr>
-        <p:spPr>
-          <a:xfrm>
-            <a:off x="685800" y="2138363"/>
-            <a:ext cx="7772400" cy="2387600"/>
-          </a:xfrm>
-        </p:spPr>
-        <p:txBody>
-          <a:bodyPr>
-            <a:normAutofit/>
-          </a:bodyPr>
-          <a:lstStyle/>
-          <a:p>
-            <a:pPr algn="ctr"/>
-            <a:r>
-              <a:rPr lang="en-CA" sz="8800" b="1" dirty="0" smtClean="0"/>
-              <a:t>Simplicity</a:t>
-            </a:r>
-            <a:endParaRPr lang="en-CA" sz="8800" b="1" dirty="0"/>
-          </a:p>
-        </p:txBody>
-      </p:sp>
-      <p:sp>
-        <p:nvSpPr>
           <p:cNvPr id="4" name="Date Placeholder 3"/>
           <p:cNvSpPr>
             <a:spLocks noGrp="1"/>
@@ -11029,7 +11090,7 @@
           <a:p>
             <a:fld id="{A304DFDB-27BA-4425-B41B-DF35E13B9B66}" type="datetime1">
               <a:rPr lang="en-CA" smtClean="0"/>
-              <a:t>29/01/2016</a:t>
+              <a:t>30/01/2016</a:t>
             </a:fld>
             <a:endParaRPr lang="en-CA" dirty="0"/>
           </a:p>
@@ -11082,10 +11143,28 @@
           </a:p>
         </p:txBody>
       </p:sp>
+      <p:graphicFrame>
+        <p:nvGraphicFramePr>
+          <p:cNvPr id="11" name="Chart 10"/>
+          <p:cNvGraphicFramePr/>
+          <p:nvPr>
+            <p:extLst/>
+          </p:nvPr>
+        </p:nvGraphicFramePr>
+        <p:xfrm>
+          <a:off x="-413085" y="120316"/>
+          <a:ext cx="9557085" cy="6236035"/>
+        </p:xfrm>
+        <a:graphic>
+          <a:graphicData uri="http://schemas.openxmlformats.org/drawingml/2006/chart">
+            <c:chart xmlns:c="http://schemas.openxmlformats.org/drawingml/2006/chart" xmlns:r="http://schemas.openxmlformats.org/officeDocument/2006/relationships" r:id="rId3"/>
+          </a:graphicData>
+        </a:graphic>
+      </p:graphicFrame>
     </p:spTree>
     <p:extLst>
       <p:ext uri="{BB962C8B-B14F-4D97-AF65-F5344CB8AC3E}">
-        <p14:creationId xmlns:p14="http://schemas.microsoft.com/office/powerpoint/2010/main" val="3543780222"/>
+        <p14:creationId xmlns:p14="http://schemas.microsoft.com/office/powerpoint/2010/main" val="4086352477"/>
       </p:ext>
     </p:extLst>
   </p:cSld>
@@ -11121,42 +11200,7 @@
       </p:grpSpPr>
       <p:sp>
         <p:nvSpPr>
-          <p:cNvPr id="2" name="Title 1"/>
-          <p:cNvSpPr>
-            <a:spLocks noGrp="1"/>
-          </p:cNvSpPr>
-          <p:nvPr>
-            <p:ph type="ctrTitle"/>
-          </p:nvPr>
-        </p:nvSpPr>
-        <p:spPr>
-          <a:xfrm>
-            <a:off x="685800" y="2138363"/>
-            <a:ext cx="7772400" cy="2387600"/>
-          </a:xfrm>
-        </p:spPr>
-        <p:txBody>
-          <a:bodyPr>
-            <a:normAutofit/>
-          </a:bodyPr>
-          <a:lstStyle/>
-          <a:p>
-            <a:pPr algn="ctr"/>
-            <a:r>
-              <a:rPr lang="en-CA" sz="8800" b="1" dirty="0" smtClean="0"/>
-              <a:t>Interactive</a:t>
-            </a:r>
-            <a:endParaRPr lang="en-CA" sz="8800" b="1" dirty="0">
-              <a:solidFill>
-                <a:srgbClr val="FF0000"/>
-              </a:solidFill>
-            </a:endParaRPr>
-          </a:p>
-        </p:txBody>
-      </p:sp>
-      <p:sp>
-        <p:nvSpPr>
-          <p:cNvPr id="4" name="Date Placeholder 3"/>
+          <p:cNvPr id="2" name="Date Placeholder 1"/>
           <p:cNvSpPr>
             <a:spLocks noGrp="1"/>
           </p:cNvSpPr>
@@ -11169,17 +11213,17 @@
           <a:bodyPr/>
           <a:lstStyle/>
           <a:p>
-            <a:fld id="{A304DFDB-27BA-4425-B41B-DF35E13B9B66}" type="datetime1">
+            <a:fld id="{48931130-28FE-42F0-BEAA-C4A169EA98A4}" type="datetime1">
               <a:rPr lang="en-CA" smtClean="0"/>
-              <a:t>29/01/2016</a:t>
+              <a:t>30/01/2016</a:t>
             </a:fld>
-            <a:endParaRPr lang="en-CA" dirty="0"/>
-          </a:p>
-        </p:txBody>
-      </p:sp>
-      <p:sp>
-        <p:nvSpPr>
-          <p:cNvPr id="5" name="Footer Placeholder 4"/>
+            <a:endParaRPr lang="en-CA"/>
+          </a:p>
+        </p:txBody>
+      </p:sp>
+      <p:sp>
+        <p:nvSpPr>
+          <p:cNvPr id="3" name="Footer Placeholder 2"/>
           <p:cNvSpPr>
             <a:spLocks noGrp="1"/>
           </p:cNvSpPr>
@@ -11193,7 +11237,7 @@
           <a:lstStyle/>
           <a:p>
             <a:r>
-              <a:rPr lang="en-CA" dirty="0" smtClean="0"/>
+              <a:rPr lang="en-CA" smtClean="0"/>
               <a:t>Terin Dhadda          Harit Patel          Nisarg Patel          Hui Chen</a:t>
             </a:r>
             <a:endParaRPr lang="en-CA" dirty="0"/>
@@ -11202,7 +11246,7 @@
       </p:sp>
       <p:sp>
         <p:nvSpPr>
-          <p:cNvPr id="6" name="Slide Number Placeholder 5"/>
+          <p:cNvPr id="4" name="Slide Number Placeholder 3"/>
           <p:cNvSpPr>
             <a:spLocks noGrp="1"/>
           </p:cNvSpPr>
@@ -11220,14 +11264,44 @@
               <a:pPr/>
               <a:t>5</a:t>
             </a:fld>
-            <a:endParaRPr lang="en-CA" dirty="0"/>
-          </a:p>
-        </p:txBody>
-      </p:sp>
+            <a:endParaRPr lang="en-CA"/>
+          </a:p>
+        </p:txBody>
+      </p:sp>
+      <p:pic>
+        <p:nvPicPr>
+          <p:cNvPr id="5" name="Picture 4" descr="Screen Clipping"/>
+          <p:cNvPicPr>
+            <a:picLocks noChangeAspect="1"/>
+          </p:cNvPicPr>
+          <p:nvPr/>
+        </p:nvPicPr>
+        <p:blipFill>
+          <a:blip r:embed="rId2">
+            <a:extLst>
+              <a:ext uri="{28A0092B-C50C-407E-A947-70E740481C1C}">
+                <a14:useLocalDpi xmlns:a14="http://schemas.microsoft.com/office/drawing/2010/main" val="0"/>
+              </a:ext>
+            </a:extLst>
+          </a:blip>
+          <a:stretch>
+            <a:fillRect/>
+          </a:stretch>
+        </p:blipFill>
+        <p:spPr>
+          <a:xfrm>
+            <a:off x="1233700" y="1418555"/>
+            <a:ext cx="6767301" cy="4692106"/>
+          </a:xfrm>
+          <a:prstGeom prst="rect">
+            <a:avLst/>
+          </a:prstGeom>
+        </p:spPr>
+      </p:pic>
     </p:spTree>
     <p:extLst>
       <p:ext uri="{BB962C8B-B14F-4D97-AF65-F5344CB8AC3E}">
-        <p14:creationId xmlns:p14="http://schemas.microsoft.com/office/powerpoint/2010/main" val="3222637332"/>
+        <p14:creationId xmlns:p14="http://schemas.microsoft.com/office/powerpoint/2010/main" val="346820119"/>
       </p:ext>
     </p:extLst>
   </p:cSld>
@@ -11263,6 +11337,45 @@
       </p:grpSpPr>
       <p:sp>
         <p:nvSpPr>
+          <p:cNvPr id="2" name="Title 1"/>
+          <p:cNvSpPr>
+            <a:spLocks noGrp="1"/>
+          </p:cNvSpPr>
+          <p:nvPr>
+            <p:ph type="ctrTitle"/>
+          </p:nvPr>
+        </p:nvSpPr>
+        <p:spPr>
+          <a:xfrm>
+            <a:off x="685800" y="2138363"/>
+            <a:ext cx="7772400" cy="2387600"/>
+          </a:xfrm>
+        </p:spPr>
+        <p:txBody>
+          <a:bodyPr>
+            <a:normAutofit/>
+          </a:bodyPr>
+          <a:lstStyle/>
+          <a:p>
+            <a:pPr algn="ctr"/>
+            <a:r>
+              <a:rPr lang="en-CA" sz="8800" b="1" dirty="0" smtClean="0">
+                <a:solidFill>
+                  <a:srgbClr val="FF0000"/>
+                </a:solidFill>
+              </a:rPr>
+              <a:t>Design </a:t>
+            </a:r>
+            <a:r>
+              <a:rPr lang="en-CA" sz="8800" b="1" dirty="0" smtClean="0"/>
+              <a:t>Process</a:t>
+            </a:r>
+            <a:endParaRPr lang="en-CA" sz="8800" b="1" dirty="0"/>
+          </a:p>
+        </p:txBody>
+      </p:sp>
+      <p:sp>
+        <p:nvSpPr>
           <p:cNvPr id="4" name="Date Placeholder 3"/>
           <p:cNvSpPr>
             <a:spLocks noGrp="1"/>
@@ -11326,6 +11439,393 @@
               <a:rPr lang="en-CA" smtClean="0"/>
               <a:pPr/>
               <a:t>6</a:t>
+            </a:fld>
+            <a:endParaRPr lang="en-CA" dirty="0"/>
+          </a:p>
+        </p:txBody>
+      </p:sp>
+    </p:spTree>
+    <p:extLst>
+      <p:ext uri="{BB962C8B-B14F-4D97-AF65-F5344CB8AC3E}">
+        <p14:creationId xmlns:p14="http://schemas.microsoft.com/office/powerpoint/2010/main" val="1147324721"/>
+      </p:ext>
+    </p:extLst>
+  </p:cSld>
+  <p:clrMapOvr>
+    <a:masterClrMapping/>
+  </p:clrMapOvr>
+  <p:timing>
+    <p:tnLst>
+      <p:par>
+        <p:cTn id="1" dur="indefinite" restart="never" nodeType="tmRoot"/>
+      </p:par>
+    </p:tnLst>
+  </p:timing>
+</p:sld>
+</file>
+
+<file path=ppt/slides/slide7.xml><?xml version="1.0" encoding="utf-8"?>
+<p:sld xmlns:a="http://schemas.openxmlformats.org/drawingml/2006/main" xmlns:r="http://schemas.openxmlformats.org/officeDocument/2006/relationships" xmlns:p="http://schemas.openxmlformats.org/presentationml/2006/main">
+  <p:cSld>
+    <p:spTree>
+      <p:nvGrpSpPr>
+        <p:cNvPr id="1" name=""/>
+        <p:cNvGrpSpPr/>
+        <p:nvPr/>
+      </p:nvGrpSpPr>
+      <p:grpSpPr>
+        <a:xfrm>
+          <a:off x="0" y="0"/>
+          <a:ext cx="0" cy="0"/>
+          <a:chOff x="0" y="0"/>
+          <a:chExt cx="0" cy="0"/>
+        </a:xfrm>
+      </p:grpSpPr>
+      <p:sp>
+        <p:nvSpPr>
+          <p:cNvPr id="2" name="Title 1"/>
+          <p:cNvSpPr>
+            <a:spLocks noGrp="1"/>
+          </p:cNvSpPr>
+          <p:nvPr>
+            <p:ph type="ctrTitle"/>
+          </p:nvPr>
+        </p:nvSpPr>
+        <p:spPr>
+          <a:xfrm>
+            <a:off x="685800" y="2138363"/>
+            <a:ext cx="7772400" cy="2387600"/>
+          </a:xfrm>
+        </p:spPr>
+        <p:txBody>
+          <a:bodyPr>
+            <a:normAutofit/>
+          </a:bodyPr>
+          <a:lstStyle/>
+          <a:p>
+            <a:pPr algn="ctr"/>
+            <a:r>
+              <a:rPr lang="en-CA" sz="8800" b="1" dirty="0" smtClean="0"/>
+              <a:t>Simplicity</a:t>
+            </a:r>
+            <a:endParaRPr lang="en-CA" sz="8800" b="1" dirty="0"/>
+          </a:p>
+        </p:txBody>
+      </p:sp>
+      <p:sp>
+        <p:nvSpPr>
+          <p:cNvPr id="4" name="Date Placeholder 3"/>
+          <p:cNvSpPr>
+            <a:spLocks noGrp="1"/>
+          </p:cNvSpPr>
+          <p:nvPr>
+            <p:ph type="dt" sz="half" idx="10"/>
+          </p:nvPr>
+        </p:nvSpPr>
+        <p:spPr/>
+        <p:txBody>
+          <a:bodyPr/>
+          <a:lstStyle/>
+          <a:p>
+            <a:fld id="{A304DFDB-27BA-4425-B41B-DF35E13B9B66}" type="datetime1">
+              <a:rPr lang="en-CA" smtClean="0"/>
+              <a:t>30/01/2016</a:t>
+            </a:fld>
+            <a:endParaRPr lang="en-CA" dirty="0"/>
+          </a:p>
+        </p:txBody>
+      </p:sp>
+      <p:sp>
+        <p:nvSpPr>
+          <p:cNvPr id="5" name="Footer Placeholder 4"/>
+          <p:cNvSpPr>
+            <a:spLocks noGrp="1"/>
+          </p:cNvSpPr>
+          <p:nvPr>
+            <p:ph type="ftr" sz="quarter" idx="11"/>
+          </p:nvPr>
+        </p:nvSpPr>
+        <p:spPr/>
+        <p:txBody>
+          <a:bodyPr/>
+          <a:lstStyle/>
+          <a:p>
+            <a:r>
+              <a:rPr lang="en-CA" dirty="0" smtClean="0"/>
+              <a:t>Terin Dhadda          Harit Patel          Nisarg Patel          Hui Chen</a:t>
+            </a:r>
+            <a:endParaRPr lang="en-CA" dirty="0"/>
+          </a:p>
+        </p:txBody>
+      </p:sp>
+      <p:sp>
+        <p:nvSpPr>
+          <p:cNvPr id="6" name="Slide Number Placeholder 5"/>
+          <p:cNvSpPr>
+            <a:spLocks noGrp="1"/>
+          </p:cNvSpPr>
+          <p:nvPr>
+            <p:ph type="sldNum" sz="quarter" idx="12"/>
+          </p:nvPr>
+        </p:nvSpPr>
+        <p:spPr/>
+        <p:txBody>
+          <a:bodyPr/>
+          <a:lstStyle/>
+          <a:p>
+            <a:fld id="{0D89ECAD-A2DF-4400-A122-0BCB3892FC6F}" type="slidenum">
+              <a:rPr lang="en-CA" smtClean="0"/>
+              <a:pPr/>
+              <a:t>7</a:t>
+            </a:fld>
+            <a:endParaRPr lang="en-CA" dirty="0"/>
+          </a:p>
+        </p:txBody>
+      </p:sp>
+    </p:spTree>
+    <p:extLst>
+      <p:ext uri="{BB962C8B-B14F-4D97-AF65-F5344CB8AC3E}">
+        <p14:creationId xmlns:p14="http://schemas.microsoft.com/office/powerpoint/2010/main" val="3543780222"/>
+      </p:ext>
+    </p:extLst>
+  </p:cSld>
+  <p:clrMapOvr>
+    <a:masterClrMapping/>
+  </p:clrMapOvr>
+  <p:timing>
+    <p:tnLst>
+      <p:par>
+        <p:cTn id="1" dur="indefinite" restart="never" nodeType="tmRoot"/>
+      </p:par>
+    </p:tnLst>
+  </p:timing>
+</p:sld>
+</file>
+
+<file path=ppt/slides/slide8.xml><?xml version="1.0" encoding="utf-8"?>
+<p:sld xmlns:a="http://schemas.openxmlformats.org/drawingml/2006/main" xmlns:r="http://schemas.openxmlformats.org/officeDocument/2006/relationships" xmlns:p="http://schemas.openxmlformats.org/presentationml/2006/main">
+  <p:cSld>
+    <p:spTree>
+      <p:nvGrpSpPr>
+        <p:cNvPr id="1" name=""/>
+        <p:cNvGrpSpPr/>
+        <p:nvPr/>
+      </p:nvGrpSpPr>
+      <p:grpSpPr>
+        <a:xfrm>
+          <a:off x="0" y="0"/>
+          <a:ext cx="0" cy="0"/>
+          <a:chOff x="0" y="0"/>
+          <a:chExt cx="0" cy="0"/>
+        </a:xfrm>
+      </p:grpSpPr>
+      <p:sp>
+        <p:nvSpPr>
+          <p:cNvPr id="2" name="Title 1"/>
+          <p:cNvSpPr>
+            <a:spLocks noGrp="1"/>
+          </p:cNvSpPr>
+          <p:nvPr>
+            <p:ph type="ctrTitle"/>
+          </p:nvPr>
+        </p:nvSpPr>
+        <p:spPr>
+          <a:xfrm>
+            <a:off x="685800" y="2138363"/>
+            <a:ext cx="7772400" cy="2387600"/>
+          </a:xfrm>
+        </p:spPr>
+        <p:txBody>
+          <a:bodyPr>
+            <a:normAutofit/>
+          </a:bodyPr>
+          <a:lstStyle/>
+          <a:p>
+            <a:pPr algn="ctr"/>
+            <a:r>
+              <a:rPr lang="en-CA" sz="8800" b="1" dirty="0" smtClean="0"/>
+              <a:t>Interactive</a:t>
+            </a:r>
+            <a:endParaRPr lang="en-CA" sz="8800" b="1" dirty="0">
+              <a:solidFill>
+                <a:srgbClr val="FF0000"/>
+              </a:solidFill>
+            </a:endParaRPr>
+          </a:p>
+        </p:txBody>
+      </p:sp>
+      <p:sp>
+        <p:nvSpPr>
+          <p:cNvPr id="4" name="Date Placeholder 3"/>
+          <p:cNvSpPr>
+            <a:spLocks noGrp="1"/>
+          </p:cNvSpPr>
+          <p:nvPr>
+            <p:ph type="dt" sz="half" idx="10"/>
+          </p:nvPr>
+        </p:nvSpPr>
+        <p:spPr/>
+        <p:txBody>
+          <a:bodyPr/>
+          <a:lstStyle/>
+          <a:p>
+            <a:fld id="{A304DFDB-27BA-4425-B41B-DF35E13B9B66}" type="datetime1">
+              <a:rPr lang="en-CA" smtClean="0"/>
+              <a:t>30/01/2016</a:t>
+            </a:fld>
+            <a:endParaRPr lang="en-CA" dirty="0"/>
+          </a:p>
+        </p:txBody>
+      </p:sp>
+      <p:sp>
+        <p:nvSpPr>
+          <p:cNvPr id="5" name="Footer Placeholder 4"/>
+          <p:cNvSpPr>
+            <a:spLocks noGrp="1"/>
+          </p:cNvSpPr>
+          <p:nvPr>
+            <p:ph type="ftr" sz="quarter" idx="11"/>
+          </p:nvPr>
+        </p:nvSpPr>
+        <p:spPr/>
+        <p:txBody>
+          <a:bodyPr/>
+          <a:lstStyle/>
+          <a:p>
+            <a:r>
+              <a:rPr lang="en-CA" dirty="0" smtClean="0"/>
+              <a:t>Terin Dhadda          Harit Patel          Nisarg Patel          Hui Chen</a:t>
+            </a:r>
+            <a:endParaRPr lang="en-CA" dirty="0"/>
+          </a:p>
+        </p:txBody>
+      </p:sp>
+      <p:sp>
+        <p:nvSpPr>
+          <p:cNvPr id="6" name="Slide Number Placeholder 5"/>
+          <p:cNvSpPr>
+            <a:spLocks noGrp="1"/>
+          </p:cNvSpPr>
+          <p:nvPr>
+            <p:ph type="sldNum" sz="quarter" idx="12"/>
+          </p:nvPr>
+        </p:nvSpPr>
+        <p:spPr/>
+        <p:txBody>
+          <a:bodyPr/>
+          <a:lstStyle/>
+          <a:p>
+            <a:fld id="{0D89ECAD-A2DF-4400-A122-0BCB3892FC6F}" type="slidenum">
+              <a:rPr lang="en-CA" smtClean="0"/>
+              <a:pPr/>
+              <a:t>8</a:t>
+            </a:fld>
+            <a:endParaRPr lang="en-CA" dirty="0"/>
+          </a:p>
+        </p:txBody>
+      </p:sp>
+    </p:spTree>
+    <p:extLst>
+      <p:ext uri="{BB962C8B-B14F-4D97-AF65-F5344CB8AC3E}">
+        <p14:creationId xmlns:p14="http://schemas.microsoft.com/office/powerpoint/2010/main" val="3222637332"/>
+      </p:ext>
+    </p:extLst>
+  </p:cSld>
+  <p:clrMapOvr>
+    <a:masterClrMapping/>
+  </p:clrMapOvr>
+  <p:timing>
+    <p:tnLst>
+      <p:par>
+        <p:cTn id="1" dur="indefinite" restart="never" nodeType="tmRoot"/>
+      </p:par>
+    </p:tnLst>
+  </p:timing>
+</p:sld>
+</file>
+
+<file path=ppt/slides/slide9.xml><?xml version="1.0" encoding="utf-8"?>
+<p:sld xmlns:a="http://schemas.openxmlformats.org/drawingml/2006/main" xmlns:r="http://schemas.openxmlformats.org/officeDocument/2006/relationships" xmlns:p="http://schemas.openxmlformats.org/presentationml/2006/main">
+  <p:cSld>
+    <p:spTree>
+      <p:nvGrpSpPr>
+        <p:cNvPr id="1" name=""/>
+        <p:cNvGrpSpPr/>
+        <p:nvPr/>
+      </p:nvGrpSpPr>
+      <p:grpSpPr>
+        <a:xfrm>
+          <a:off x="0" y="0"/>
+          <a:ext cx="0" cy="0"/>
+          <a:chOff x="0" y="0"/>
+          <a:chExt cx="0" cy="0"/>
+        </a:xfrm>
+      </p:grpSpPr>
+      <p:sp>
+        <p:nvSpPr>
+          <p:cNvPr id="4" name="Date Placeholder 3"/>
+          <p:cNvSpPr>
+            <a:spLocks noGrp="1"/>
+          </p:cNvSpPr>
+          <p:nvPr>
+            <p:ph type="dt" sz="half" idx="10"/>
+          </p:nvPr>
+        </p:nvSpPr>
+        <p:spPr/>
+        <p:txBody>
+          <a:bodyPr/>
+          <a:lstStyle/>
+          <a:p>
+            <a:fld id="{A304DFDB-27BA-4425-B41B-DF35E13B9B66}" type="datetime1">
+              <a:rPr lang="en-CA" smtClean="0"/>
+              <a:t>30/01/2016</a:t>
+            </a:fld>
+            <a:endParaRPr lang="en-CA" dirty="0"/>
+          </a:p>
+        </p:txBody>
+      </p:sp>
+      <p:sp>
+        <p:nvSpPr>
+          <p:cNvPr id="5" name="Footer Placeholder 4"/>
+          <p:cNvSpPr>
+            <a:spLocks noGrp="1"/>
+          </p:cNvSpPr>
+          <p:nvPr>
+            <p:ph type="ftr" sz="quarter" idx="11"/>
+          </p:nvPr>
+        </p:nvSpPr>
+        <p:spPr/>
+        <p:txBody>
+          <a:bodyPr/>
+          <a:lstStyle/>
+          <a:p>
+            <a:r>
+              <a:rPr lang="en-CA" dirty="0" smtClean="0"/>
+              <a:t>Terin Dhadda          Harit Patel          Nisarg Patel          Hui Chen</a:t>
+            </a:r>
+            <a:endParaRPr lang="en-CA" dirty="0"/>
+          </a:p>
+        </p:txBody>
+      </p:sp>
+      <p:sp>
+        <p:nvSpPr>
+          <p:cNvPr id="6" name="Slide Number Placeholder 5"/>
+          <p:cNvSpPr>
+            <a:spLocks noGrp="1"/>
+          </p:cNvSpPr>
+          <p:nvPr>
+            <p:ph type="sldNum" sz="quarter" idx="12"/>
+          </p:nvPr>
+        </p:nvSpPr>
+        <p:spPr/>
+        <p:txBody>
+          <a:bodyPr/>
+          <a:lstStyle/>
+          <a:p>
+            <a:fld id="{0D89ECAD-A2DF-4400-A122-0BCB3892FC6F}" type="slidenum">
+              <a:rPr lang="en-CA" smtClean="0"/>
+              <a:pPr/>
+              <a:t>9</a:t>
             </a:fld>
             <a:endParaRPr lang="en-CA" dirty="0"/>
           </a:p>
@@ -11365,461 +11865,6 @@
     <p:extLst>
       <p:ext uri="{BB962C8B-B14F-4D97-AF65-F5344CB8AC3E}">
         <p14:creationId xmlns:p14="http://schemas.microsoft.com/office/powerpoint/2010/main" val="2595851931"/>
-      </p:ext>
-    </p:extLst>
-  </p:cSld>
-  <p:clrMapOvr>
-    <a:masterClrMapping/>
-  </p:clrMapOvr>
-  <p:timing>
-    <p:tnLst>
-      <p:par>
-        <p:cTn id="1" dur="indefinite" restart="never" nodeType="tmRoot"/>
-      </p:par>
-    </p:tnLst>
-  </p:timing>
-</p:sld>
-</file>
-
-<file path=ppt/slides/slide7.xml><?xml version="1.0" encoding="utf-8"?>
-<p:sld xmlns:a="http://schemas.openxmlformats.org/drawingml/2006/main" xmlns:r="http://schemas.openxmlformats.org/officeDocument/2006/relationships" xmlns:p="http://schemas.openxmlformats.org/presentationml/2006/main">
-  <p:cSld>
-    <p:spTree>
-      <p:nvGrpSpPr>
-        <p:cNvPr id="1" name=""/>
-        <p:cNvGrpSpPr/>
-        <p:nvPr/>
-      </p:nvGrpSpPr>
-      <p:grpSpPr>
-        <a:xfrm>
-          <a:off x="0" y="0"/>
-          <a:ext cx="0" cy="0"/>
-          <a:chOff x="0" y="0"/>
-          <a:chExt cx="0" cy="0"/>
-        </a:xfrm>
-      </p:grpSpPr>
-      <p:sp>
-        <p:nvSpPr>
-          <p:cNvPr id="2" name="Title 1"/>
-          <p:cNvSpPr>
-            <a:spLocks noGrp="1"/>
-          </p:cNvSpPr>
-          <p:nvPr>
-            <p:ph type="ctrTitle"/>
-          </p:nvPr>
-        </p:nvSpPr>
-        <p:spPr>
-          <a:xfrm>
-            <a:off x="685800" y="2138363"/>
-            <a:ext cx="7772400" cy="2387600"/>
-          </a:xfrm>
-        </p:spPr>
-        <p:txBody>
-          <a:bodyPr>
-            <a:noAutofit/>
-          </a:bodyPr>
-          <a:lstStyle/>
-          <a:p>
-            <a:pPr algn="ctr"/>
-            <a:r>
-              <a:rPr lang="en-CA" sz="8800" b="1" dirty="0" smtClean="0">
-                <a:solidFill>
-                  <a:srgbClr val="FF0000"/>
-                </a:solidFill>
-              </a:rPr>
-              <a:t>M</a:t>
-            </a:r>
-            <a:r>
-              <a:rPr lang="en-CA" sz="8800" b="1" dirty="0" smtClean="0"/>
-              <a:t>odel </a:t>
-            </a:r>
-            <a:br>
-              <a:rPr lang="en-CA" sz="8800" b="1" dirty="0" smtClean="0"/>
-            </a:br>
-            <a:r>
-              <a:rPr lang="en-CA" sz="8800" b="1" dirty="0" smtClean="0">
-                <a:solidFill>
-                  <a:srgbClr val="FF0000"/>
-                </a:solidFill>
-              </a:rPr>
-              <a:t>V</a:t>
-            </a:r>
-            <a:r>
-              <a:rPr lang="en-CA" sz="8800" b="1" dirty="0" smtClean="0"/>
-              <a:t>iew </a:t>
-            </a:r>
-            <a:br>
-              <a:rPr lang="en-CA" sz="8800" b="1" dirty="0" smtClean="0"/>
-            </a:br>
-            <a:r>
-              <a:rPr lang="en-CA" sz="8800" b="1" dirty="0" smtClean="0">
-                <a:solidFill>
-                  <a:srgbClr val="FF0000"/>
-                </a:solidFill>
-              </a:rPr>
-              <a:t>C</a:t>
-            </a:r>
-            <a:r>
-              <a:rPr lang="en-CA" sz="8800" b="1" dirty="0" smtClean="0"/>
-              <a:t>ontroller</a:t>
-            </a:r>
-            <a:endParaRPr lang="en-CA" sz="8800" b="1" dirty="0">
-              <a:solidFill>
-                <a:srgbClr val="FF0000"/>
-              </a:solidFill>
-            </a:endParaRPr>
-          </a:p>
-        </p:txBody>
-      </p:sp>
-      <p:sp>
-        <p:nvSpPr>
-          <p:cNvPr id="4" name="Date Placeholder 3"/>
-          <p:cNvSpPr>
-            <a:spLocks noGrp="1"/>
-          </p:cNvSpPr>
-          <p:nvPr>
-            <p:ph type="dt" sz="half" idx="10"/>
-          </p:nvPr>
-        </p:nvSpPr>
-        <p:spPr/>
-        <p:txBody>
-          <a:bodyPr/>
-          <a:lstStyle/>
-          <a:p>
-            <a:fld id="{A304DFDB-27BA-4425-B41B-DF35E13B9B66}" type="datetime1">
-              <a:rPr lang="en-CA" smtClean="0"/>
-              <a:t>29/01/2016</a:t>
-            </a:fld>
-            <a:endParaRPr lang="en-CA" dirty="0"/>
-          </a:p>
-        </p:txBody>
-      </p:sp>
-      <p:sp>
-        <p:nvSpPr>
-          <p:cNvPr id="5" name="Footer Placeholder 4"/>
-          <p:cNvSpPr>
-            <a:spLocks noGrp="1"/>
-          </p:cNvSpPr>
-          <p:nvPr>
-            <p:ph type="ftr" sz="quarter" idx="11"/>
-          </p:nvPr>
-        </p:nvSpPr>
-        <p:spPr/>
-        <p:txBody>
-          <a:bodyPr/>
-          <a:lstStyle/>
-          <a:p>
-            <a:r>
-              <a:rPr lang="en-CA" dirty="0" smtClean="0"/>
-              <a:t>Terin Dhadda          Harit Patel          Nisarg Patel          Hui Chen</a:t>
-            </a:r>
-            <a:endParaRPr lang="en-CA" dirty="0"/>
-          </a:p>
-        </p:txBody>
-      </p:sp>
-      <p:sp>
-        <p:nvSpPr>
-          <p:cNvPr id="6" name="Slide Number Placeholder 5"/>
-          <p:cNvSpPr>
-            <a:spLocks noGrp="1"/>
-          </p:cNvSpPr>
-          <p:nvPr>
-            <p:ph type="sldNum" sz="quarter" idx="12"/>
-          </p:nvPr>
-        </p:nvSpPr>
-        <p:spPr/>
-        <p:txBody>
-          <a:bodyPr/>
-          <a:lstStyle/>
-          <a:p>
-            <a:fld id="{0D89ECAD-A2DF-4400-A122-0BCB3892FC6F}" type="slidenum">
-              <a:rPr lang="en-CA" smtClean="0"/>
-              <a:pPr/>
-              <a:t>7</a:t>
-            </a:fld>
-            <a:endParaRPr lang="en-CA" dirty="0"/>
-          </a:p>
-        </p:txBody>
-      </p:sp>
-    </p:spTree>
-    <p:extLst>
-      <p:ext uri="{BB962C8B-B14F-4D97-AF65-F5344CB8AC3E}">
-        <p14:creationId xmlns:p14="http://schemas.microsoft.com/office/powerpoint/2010/main" val="2287638080"/>
-      </p:ext>
-    </p:extLst>
-  </p:cSld>
-  <p:clrMapOvr>
-    <a:masterClrMapping/>
-  </p:clrMapOvr>
-  <p:timing>
-    <p:tnLst>
-      <p:par>
-        <p:cTn id="1" dur="indefinite" restart="never" nodeType="tmRoot"/>
-      </p:par>
-    </p:tnLst>
-  </p:timing>
-</p:sld>
-</file>
-
-<file path=ppt/slides/slide8.xml><?xml version="1.0" encoding="utf-8"?>
-<p:sld xmlns:a="http://schemas.openxmlformats.org/drawingml/2006/main" xmlns:r="http://schemas.openxmlformats.org/officeDocument/2006/relationships" xmlns:p="http://schemas.openxmlformats.org/presentationml/2006/main">
-  <p:cSld>
-    <p:spTree>
-      <p:nvGrpSpPr>
-        <p:cNvPr id="1" name=""/>
-        <p:cNvGrpSpPr/>
-        <p:nvPr/>
-      </p:nvGrpSpPr>
-      <p:grpSpPr>
-        <a:xfrm>
-          <a:off x="0" y="0"/>
-          <a:ext cx="0" cy="0"/>
-          <a:chOff x="0" y="0"/>
-          <a:chExt cx="0" cy="0"/>
-        </a:xfrm>
-      </p:grpSpPr>
-      <p:sp>
-        <p:nvSpPr>
-          <p:cNvPr id="2" name="Title 1"/>
-          <p:cNvSpPr>
-            <a:spLocks noGrp="1"/>
-          </p:cNvSpPr>
-          <p:nvPr>
-            <p:ph type="ctrTitle"/>
-          </p:nvPr>
-        </p:nvSpPr>
-        <p:spPr>
-          <a:xfrm>
-            <a:off x="685800" y="2138363"/>
-            <a:ext cx="7772400" cy="2387600"/>
-          </a:xfrm>
-        </p:spPr>
-        <p:txBody>
-          <a:bodyPr>
-            <a:noAutofit/>
-          </a:bodyPr>
-          <a:lstStyle/>
-          <a:p>
-            <a:pPr algn="ctr"/>
-            <a:r>
-              <a:rPr lang="en-CA" sz="8800" b="1" dirty="0" smtClean="0">
-                <a:solidFill>
-                  <a:srgbClr val="FF0000"/>
-                </a:solidFill>
-              </a:rPr>
-              <a:t>Management </a:t>
-            </a:r>
-            <a:r>
-              <a:rPr lang="en-CA" sz="8800" b="1" dirty="0" smtClean="0"/>
-              <a:t>Process</a:t>
-            </a:r>
-            <a:endParaRPr lang="en-CA" sz="8800" b="1" dirty="0"/>
-          </a:p>
-        </p:txBody>
-      </p:sp>
-      <p:sp>
-        <p:nvSpPr>
-          <p:cNvPr id="4" name="Date Placeholder 3"/>
-          <p:cNvSpPr>
-            <a:spLocks noGrp="1"/>
-          </p:cNvSpPr>
-          <p:nvPr>
-            <p:ph type="dt" sz="half" idx="10"/>
-          </p:nvPr>
-        </p:nvSpPr>
-        <p:spPr/>
-        <p:txBody>
-          <a:bodyPr/>
-          <a:lstStyle/>
-          <a:p>
-            <a:fld id="{A304DFDB-27BA-4425-B41B-DF35E13B9B66}" type="datetime1">
-              <a:rPr lang="en-CA" smtClean="0"/>
-              <a:t>29/01/2016</a:t>
-            </a:fld>
-            <a:endParaRPr lang="en-CA" dirty="0"/>
-          </a:p>
-        </p:txBody>
-      </p:sp>
-      <p:sp>
-        <p:nvSpPr>
-          <p:cNvPr id="5" name="Footer Placeholder 4"/>
-          <p:cNvSpPr>
-            <a:spLocks noGrp="1"/>
-          </p:cNvSpPr>
-          <p:nvPr>
-            <p:ph type="ftr" sz="quarter" idx="11"/>
-          </p:nvPr>
-        </p:nvSpPr>
-        <p:spPr/>
-        <p:txBody>
-          <a:bodyPr/>
-          <a:lstStyle/>
-          <a:p>
-            <a:r>
-              <a:rPr lang="en-CA" dirty="0" smtClean="0"/>
-              <a:t>Terin Dhadda          Harit Patel          Nisarg Patel          Hui Chen</a:t>
-            </a:r>
-            <a:endParaRPr lang="en-CA" dirty="0"/>
-          </a:p>
-        </p:txBody>
-      </p:sp>
-      <p:sp>
-        <p:nvSpPr>
-          <p:cNvPr id="6" name="Slide Number Placeholder 5"/>
-          <p:cNvSpPr>
-            <a:spLocks noGrp="1"/>
-          </p:cNvSpPr>
-          <p:nvPr>
-            <p:ph type="sldNum" sz="quarter" idx="12"/>
-          </p:nvPr>
-        </p:nvSpPr>
-        <p:spPr/>
-        <p:txBody>
-          <a:bodyPr/>
-          <a:lstStyle/>
-          <a:p>
-            <a:fld id="{0D89ECAD-A2DF-4400-A122-0BCB3892FC6F}" type="slidenum">
-              <a:rPr lang="en-CA" smtClean="0"/>
-              <a:pPr/>
-              <a:t>8</a:t>
-            </a:fld>
-            <a:endParaRPr lang="en-CA" dirty="0"/>
-          </a:p>
-        </p:txBody>
-      </p:sp>
-    </p:spTree>
-    <p:extLst>
-      <p:ext uri="{BB962C8B-B14F-4D97-AF65-F5344CB8AC3E}">
-        <p14:creationId xmlns:p14="http://schemas.microsoft.com/office/powerpoint/2010/main" val="4240444705"/>
-      </p:ext>
-    </p:extLst>
-  </p:cSld>
-  <p:clrMapOvr>
-    <a:masterClrMapping/>
-  </p:clrMapOvr>
-  <p:timing>
-    <p:tnLst>
-      <p:par>
-        <p:cTn id="1" dur="indefinite" restart="never" nodeType="tmRoot"/>
-      </p:par>
-    </p:tnLst>
-  </p:timing>
-</p:sld>
-</file>
-
-<file path=ppt/slides/slide9.xml><?xml version="1.0" encoding="utf-8"?>
-<p:sld xmlns:a="http://schemas.openxmlformats.org/drawingml/2006/main" xmlns:r="http://schemas.openxmlformats.org/officeDocument/2006/relationships" xmlns:p="http://schemas.openxmlformats.org/presentationml/2006/main">
-  <p:cSld>
-    <p:spTree>
-      <p:nvGrpSpPr>
-        <p:cNvPr id="1" name=""/>
-        <p:cNvGrpSpPr/>
-        <p:nvPr/>
-      </p:nvGrpSpPr>
-      <p:grpSpPr>
-        <a:xfrm>
-          <a:off x="0" y="0"/>
-          <a:ext cx="0" cy="0"/>
-          <a:chOff x="0" y="0"/>
-          <a:chExt cx="0" cy="0"/>
-        </a:xfrm>
-      </p:grpSpPr>
-      <p:sp>
-        <p:nvSpPr>
-          <p:cNvPr id="4" name="Date Placeholder 3"/>
-          <p:cNvSpPr>
-            <a:spLocks noGrp="1"/>
-          </p:cNvSpPr>
-          <p:nvPr>
-            <p:ph type="dt" sz="half" idx="10"/>
-          </p:nvPr>
-        </p:nvSpPr>
-        <p:spPr/>
-        <p:txBody>
-          <a:bodyPr/>
-          <a:lstStyle/>
-          <a:p>
-            <a:fld id="{A304DFDB-27BA-4425-B41B-DF35E13B9B66}" type="datetime1">
-              <a:rPr lang="en-CA" smtClean="0"/>
-              <a:t>30/01/2016</a:t>
-            </a:fld>
-            <a:endParaRPr lang="en-CA" dirty="0"/>
-          </a:p>
-        </p:txBody>
-      </p:sp>
-      <p:sp>
-        <p:nvSpPr>
-          <p:cNvPr id="5" name="Footer Placeholder 4"/>
-          <p:cNvSpPr>
-            <a:spLocks noGrp="1"/>
-          </p:cNvSpPr>
-          <p:nvPr>
-            <p:ph type="ftr" sz="quarter" idx="11"/>
-          </p:nvPr>
-        </p:nvSpPr>
-        <p:spPr/>
-        <p:txBody>
-          <a:bodyPr/>
-          <a:lstStyle/>
-          <a:p>
-            <a:r>
-              <a:rPr lang="en-CA" dirty="0" smtClean="0"/>
-              <a:t>Terin Dhadda          Harit Patel          Nisarg Patel          Hui Chen</a:t>
-            </a:r>
-            <a:endParaRPr lang="en-CA" dirty="0"/>
-          </a:p>
-        </p:txBody>
-      </p:sp>
-      <p:sp>
-        <p:nvSpPr>
-          <p:cNvPr id="6" name="Slide Number Placeholder 5"/>
-          <p:cNvSpPr>
-            <a:spLocks noGrp="1"/>
-          </p:cNvSpPr>
-          <p:nvPr>
-            <p:ph type="sldNum" sz="quarter" idx="12"/>
-          </p:nvPr>
-        </p:nvSpPr>
-        <p:spPr/>
-        <p:txBody>
-          <a:bodyPr/>
-          <a:lstStyle/>
-          <a:p>
-            <a:fld id="{0D89ECAD-A2DF-4400-A122-0BCB3892FC6F}" type="slidenum">
-              <a:rPr lang="en-CA" smtClean="0"/>
-              <a:pPr/>
-              <a:t>9</a:t>
-            </a:fld>
-            <a:endParaRPr lang="en-CA" dirty="0"/>
-          </a:p>
-        </p:txBody>
-      </p:sp>
-      <p:graphicFrame>
-        <p:nvGraphicFramePr>
-          <p:cNvPr id="11" name="Chart 10"/>
-          <p:cNvGraphicFramePr/>
-          <p:nvPr>
-            <p:extLst>
-              <p:ext uri="{D42A27DB-BD31-4B8C-83A1-F6EECF244321}">
-                <p14:modId xmlns:p14="http://schemas.microsoft.com/office/powerpoint/2010/main" val="3152279979"/>
-              </p:ext>
-            </p:extLst>
-          </p:nvPr>
-        </p:nvGraphicFramePr>
-        <p:xfrm>
-          <a:off x="-413085" y="120316"/>
-          <a:ext cx="9557085" cy="6236035"/>
-        </p:xfrm>
-        <a:graphic>
-          <a:graphicData uri="http://schemas.openxmlformats.org/drawingml/2006/chart">
-            <c:chart xmlns:c="http://schemas.openxmlformats.org/drawingml/2006/chart" xmlns:r="http://schemas.openxmlformats.org/officeDocument/2006/relationships" r:id="rId3"/>
-          </a:graphicData>
-        </a:graphic>
-      </p:graphicFrame>
-    </p:spTree>
-    <p:extLst>
-      <p:ext uri="{BB962C8B-B14F-4D97-AF65-F5344CB8AC3E}">
-        <p14:creationId xmlns:p14="http://schemas.microsoft.com/office/powerpoint/2010/main" val="3532847550"/>
       </p:ext>
     </p:extLst>
   </p:cSld>

--- a/docs/Presentation.pptx
+++ b/docs/Presentation.pptx
@@ -312,9 +312,7 @@
               <c:showPercent val="0"/>
               <c:showBubbleSize val="0"/>
               <c:extLst>
-                <c:ext xmlns:c15="http://schemas.microsoft.com/office/drawing/2012/chart" uri="{CE6537A1-D6FC-4f65-9D91-7224C49458BB}">
-                  <c15:layout/>
-                </c:ext>
+                <c:ext xmlns:c15="http://schemas.microsoft.com/office/drawing/2012/chart" uri="{CE6537A1-D6FC-4f65-9D91-7224C49458BB}"/>
               </c:extLst>
             </c:dLbl>
             <c:dLbl>
@@ -332,9 +330,7 @@
               <c:showPercent val="0"/>
               <c:showBubbleSize val="0"/>
               <c:extLst>
-                <c:ext xmlns:c15="http://schemas.microsoft.com/office/drawing/2012/chart" uri="{CE6537A1-D6FC-4f65-9D91-7224C49458BB}">
-                  <c15:layout/>
-                </c:ext>
+                <c:ext xmlns:c15="http://schemas.microsoft.com/office/drawing/2012/chart" uri="{CE6537A1-D6FC-4f65-9D91-7224C49458BB}"/>
               </c:extLst>
             </c:dLbl>
             <c:dLbl>
@@ -352,9 +348,7 @@
               <c:showPercent val="0"/>
               <c:showBubbleSize val="0"/>
               <c:extLst>
-                <c:ext xmlns:c15="http://schemas.microsoft.com/office/drawing/2012/chart" uri="{CE6537A1-D6FC-4f65-9D91-7224C49458BB}">
-                  <c15:layout/>
-                </c:ext>
+                <c:ext xmlns:c15="http://schemas.microsoft.com/office/drawing/2012/chart" uri="{CE6537A1-D6FC-4f65-9D91-7224C49458BB}"/>
               </c:extLst>
             </c:dLbl>
             <c:dLbl>
@@ -372,9 +366,7 @@
               <c:showPercent val="0"/>
               <c:showBubbleSize val="0"/>
               <c:extLst>
-                <c:ext xmlns:c15="http://schemas.microsoft.com/office/drawing/2012/chart" uri="{CE6537A1-D6FC-4f65-9D91-7224C49458BB}">
-                  <c15:layout/>
-                </c:ext>
+                <c:ext xmlns:c15="http://schemas.microsoft.com/office/drawing/2012/chart" uri="{CE6537A1-D6FC-4f65-9D91-7224C49458BB}"/>
               </c:extLst>
             </c:dLbl>
             <c:dLbl>
@@ -392,9 +384,7 @@
               <c:showPercent val="0"/>
               <c:showBubbleSize val="0"/>
               <c:extLst>
-                <c:ext xmlns:c15="http://schemas.microsoft.com/office/drawing/2012/chart" uri="{CE6537A1-D6FC-4f65-9D91-7224C49458BB}">
-                  <c15:layout/>
-                </c:ext>
+                <c:ext xmlns:c15="http://schemas.microsoft.com/office/drawing/2012/chart" uri="{CE6537A1-D6FC-4f65-9D91-7224C49458BB}"/>
               </c:extLst>
             </c:dLbl>
             <c:dLbl>
@@ -412,9 +402,7 @@
               <c:showPercent val="0"/>
               <c:showBubbleSize val="0"/>
               <c:extLst>
-                <c:ext xmlns:c15="http://schemas.microsoft.com/office/drawing/2012/chart" uri="{CE6537A1-D6FC-4f65-9D91-7224C49458BB}">
-                  <c15:layout/>
-                </c:ext>
+                <c:ext xmlns:c15="http://schemas.microsoft.com/office/drawing/2012/chart" uri="{CE6537A1-D6FC-4f65-9D91-7224C49458BB}"/>
               </c:extLst>
             </c:dLbl>
             <c:spPr>
@@ -461,9 +449,7 @@
               </c:spPr>
             </c:leaderLines>
             <c:extLst>
-              <c:ext xmlns:c15="http://schemas.microsoft.com/office/drawing/2012/chart" uri="{CE6537A1-D6FC-4f65-9D91-7224C49458BB}">
-                <c15:layout/>
-              </c:ext>
+              <c:ext xmlns:c15="http://schemas.microsoft.com/office/drawing/2012/chart" uri="{CE6537A1-D6FC-4f65-9D91-7224C49458BB}"/>
             </c:extLst>
           </c:dLbls>
           <c:cat>
@@ -2406,442 +2392,6 @@
       <dsp:cNvGrpSpPr/>
     </dsp:nvGrpSpPr>
     <dsp:grpSpPr/>
-    <dsp:sp modelId="{50D18987-78FF-4F1D-9EA6-2AE3BB0DD5C5}">
-      <dsp:nvSpPr>
-        <dsp:cNvPr id="0" name=""/>
-        <dsp:cNvSpPr/>
-      </dsp:nvSpPr>
-      <dsp:spPr>
-        <a:xfrm>
-          <a:off x="1218637" y="-33037"/>
-          <a:ext cx="5467473" cy="5467473"/>
-        </a:xfrm>
-        <a:prstGeom prst="circularArrow">
-          <a:avLst>
-            <a:gd name="adj1" fmla="val 5544"/>
-            <a:gd name="adj2" fmla="val 330680"/>
-            <a:gd name="adj3" fmla="val 13773524"/>
-            <a:gd name="adj4" fmla="val 17387425"/>
-            <a:gd name="adj5" fmla="val 5757"/>
-          </a:avLst>
-        </a:prstGeom>
-        <a:solidFill>
-          <a:schemeClr val="accent2">
-            <a:tint val="40000"/>
-            <a:hueOff val="0"/>
-            <a:satOff val="0"/>
-            <a:lumOff val="0"/>
-            <a:alphaOff val="0"/>
-          </a:schemeClr>
-        </a:solidFill>
-        <a:ln>
-          <a:noFill/>
-        </a:ln>
-        <a:effectLst/>
-      </dsp:spPr>
-      <dsp:style>
-        <a:lnRef idx="0">
-          <a:scrgbClr r="0" g="0" b="0"/>
-        </a:lnRef>
-        <a:fillRef idx="1">
-          <a:scrgbClr r="0" g="0" b="0"/>
-        </a:fillRef>
-        <a:effectRef idx="0">
-          <a:scrgbClr r="0" g="0" b="0"/>
-        </a:effectRef>
-        <a:fontRef idx="minor"/>
-      </dsp:style>
-    </dsp:sp>
-    <dsp:sp modelId="{45DEC10B-39F3-4594-BC47-1EA72C38B302}">
-      <dsp:nvSpPr>
-        <dsp:cNvPr id="0" name=""/>
-        <dsp:cNvSpPr/>
-      </dsp:nvSpPr>
-      <dsp:spPr>
-        <a:xfrm>
-          <a:off x="2670940" y="1435"/>
-          <a:ext cx="2562867" cy="1281433"/>
-        </a:xfrm>
-        <a:prstGeom prst="roundRect">
-          <a:avLst/>
-        </a:prstGeom>
-        <a:solidFill>
-          <a:schemeClr val="accent2">
-            <a:hueOff val="0"/>
-            <a:satOff val="0"/>
-            <a:lumOff val="0"/>
-            <a:alphaOff val="0"/>
-          </a:schemeClr>
-        </a:solidFill>
-        <a:ln w="12700" cap="flat" cmpd="sng" algn="ctr">
-          <a:solidFill>
-            <a:schemeClr val="lt1">
-              <a:hueOff val="0"/>
-              <a:satOff val="0"/>
-              <a:lumOff val="0"/>
-              <a:alphaOff val="0"/>
-            </a:schemeClr>
-          </a:solidFill>
-          <a:prstDash val="solid"/>
-          <a:miter lim="800000"/>
-        </a:ln>
-        <a:effectLst/>
-      </dsp:spPr>
-      <dsp:style>
-        <a:lnRef idx="2">
-          <a:scrgbClr r="0" g="0" b="0"/>
-        </a:lnRef>
-        <a:fillRef idx="1">
-          <a:scrgbClr r="0" g="0" b="0"/>
-        </a:fillRef>
-        <a:effectRef idx="0">
-          <a:scrgbClr r="0" g="0" b="0"/>
-        </a:effectRef>
-        <a:fontRef idx="minor">
-          <a:schemeClr val="lt1"/>
-        </a:fontRef>
-      </dsp:style>
-      <dsp:txBody>
-        <a:bodyPr spcFirstLastPara="0" vert="horz" wrap="square" lIns="106680" tIns="106680" rIns="106680" bIns="106680" numCol="1" spcCol="1270" anchor="ctr" anchorCtr="0">
-          <a:noAutofit/>
-        </a:bodyPr>
-        <a:lstStyle/>
-        <a:p>
-          <a:pPr lvl="0" algn="ctr" defTabSz="1244600">
-            <a:lnSpc>
-              <a:spcPct val="90000"/>
-            </a:lnSpc>
-            <a:spcBef>
-              <a:spcPct val="0"/>
-            </a:spcBef>
-            <a:spcAft>
-              <a:spcPct val="35000"/>
-            </a:spcAft>
-          </a:pPr>
-          <a:r>
-            <a:rPr lang="en-CA" sz="2800" b="1" kern="1200" dirty="0" smtClean="0"/>
-            <a:t>Management</a:t>
-          </a:r>
-          <a:endParaRPr lang="en-CA" sz="2800" b="1" kern="1200" dirty="0"/>
-        </a:p>
-      </dsp:txBody>
-      <dsp:txXfrm>
-        <a:off x="2733494" y="63989"/>
-        <a:ext cx="2437759" cy="1156325"/>
-      </dsp:txXfrm>
-    </dsp:sp>
-    <dsp:sp modelId="{E9D14A7C-19E1-40D5-AEC7-50E2A88D00CE}">
-      <dsp:nvSpPr>
-        <dsp:cNvPr id="0" name=""/>
-        <dsp:cNvSpPr/>
-      </dsp:nvSpPr>
-      <dsp:spPr>
-        <a:xfrm>
-          <a:off x="4888371" y="1612493"/>
-          <a:ext cx="2562867" cy="1281433"/>
-        </a:xfrm>
-        <a:prstGeom prst="roundRect">
-          <a:avLst/>
-        </a:prstGeom>
-        <a:solidFill>
-          <a:schemeClr val="accent3">
-            <a:hueOff val="0"/>
-            <a:satOff val="0"/>
-            <a:lumOff val="0"/>
-            <a:alphaOff val="0"/>
-          </a:schemeClr>
-        </a:solidFill>
-        <a:ln w="12700" cap="flat" cmpd="sng" algn="ctr">
-          <a:solidFill>
-            <a:schemeClr val="lt1">
-              <a:hueOff val="0"/>
-              <a:satOff val="0"/>
-              <a:lumOff val="0"/>
-              <a:alphaOff val="0"/>
-            </a:schemeClr>
-          </a:solidFill>
-          <a:prstDash val="solid"/>
-          <a:miter lim="800000"/>
-        </a:ln>
-        <a:effectLst/>
-      </dsp:spPr>
-      <dsp:style>
-        <a:lnRef idx="2">
-          <a:scrgbClr r="0" g="0" b="0"/>
-        </a:lnRef>
-        <a:fillRef idx="1">
-          <a:scrgbClr r="0" g="0" b="0"/>
-        </a:fillRef>
-        <a:effectRef idx="0">
-          <a:scrgbClr r="0" g="0" b="0"/>
-        </a:effectRef>
-        <a:fontRef idx="minor">
-          <a:schemeClr val="lt1"/>
-        </a:fontRef>
-      </dsp:style>
-      <dsp:txBody>
-        <a:bodyPr spcFirstLastPara="0" vert="horz" wrap="square" lIns="106680" tIns="106680" rIns="106680" bIns="106680" numCol="1" spcCol="1270" anchor="ctr" anchorCtr="0">
-          <a:noAutofit/>
-        </a:bodyPr>
-        <a:lstStyle/>
-        <a:p>
-          <a:pPr lvl="0" algn="ctr" defTabSz="1244600">
-            <a:lnSpc>
-              <a:spcPct val="90000"/>
-            </a:lnSpc>
-            <a:spcBef>
-              <a:spcPct val="0"/>
-            </a:spcBef>
-            <a:spcAft>
-              <a:spcPct val="35000"/>
-            </a:spcAft>
-          </a:pPr>
-          <a:r>
-            <a:rPr lang="en-CA" sz="2800" b="1" kern="1200" dirty="0" smtClean="0"/>
-            <a:t>Design</a:t>
-          </a:r>
-          <a:endParaRPr lang="en-CA" sz="2800" b="1" kern="1200" dirty="0"/>
-        </a:p>
-      </dsp:txBody>
-      <dsp:txXfrm>
-        <a:off x="4950925" y="1675047"/>
-        <a:ext cx="2437759" cy="1156325"/>
-      </dsp:txXfrm>
-    </dsp:sp>
-    <dsp:sp modelId="{CDD30D5A-AD1F-4CC3-82D9-D6C71E99A9B3}">
-      <dsp:nvSpPr>
-        <dsp:cNvPr id="0" name=""/>
-        <dsp:cNvSpPr/>
-      </dsp:nvSpPr>
-      <dsp:spPr>
-        <a:xfrm>
-          <a:off x="4041388" y="4219240"/>
-          <a:ext cx="2562867" cy="1281433"/>
-        </a:xfrm>
-        <a:prstGeom prst="roundRect">
-          <a:avLst/>
-        </a:prstGeom>
-        <a:solidFill>
-          <a:schemeClr val="accent4">
-            <a:hueOff val="0"/>
-            <a:satOff val="0"/>
-            <a:lumOff val="0"/>
-            <a:alphaOff val="0"/>
-          </a:schemeClr>
-        </a:solidFill>
-        <a:ln w="12700" cap="flat" cmpd="sng" algn="ctr">
-          <a:solidFill>
-            <a:schemeClr val="lt1">
-              <a:hueOff val="0"/>
-              <a:satOff val="0"/>
-              <a:lumOff val="0"/>
-              <a:alphaOff val="0"/>
-            </a:schemeClr>
-          </a:solidFill>
-          <a:prstDash val="solid"/>
-          <a:miter lim="800000"/>
-        </a:ln>
-        <a:effectLst/>
-      </dsp:spPr>
-      <dsp:style>
-        <a:lnRef idx="2">
-          <a:scrgbClr r="0" g="0" b="0"/>
-        </a:lnRef>
-        <a:fillRef idx="1">
-          <a:scrgbClr r="0" g="0" b="0"/>
-        </a:fillRef>
-        <a:effectRef idx="0">
-          <a:scrgbClr r="0" g="0" b="0"/>
-        </a:effectRef>
-        <a:fontRef idx="minor">
-          <a:schemeClr val="lt1"/>
-        </a:fontRef>
-      </dsp:style>
-      <dsp:txBody>
-        <a:bodyPr spcFirstLastPara="0" vert="horz" wrap="square" lIns="106680" tIns="106680" rIns="106680" bIns="106680" numCol="1" spcCol="1270" anchor="ctr" anchorCtr="0">
-          <a:noAutofit/>
-        </a:bodyPr>
-        <a:lstStyle/>
-        <a:p>
-          <a:pPr lvl="0" algn="ctr" defTabSz="1244600">
-            <a:lnSpc>
-              <a:spcPct val="90000"/>
-            </a:lnSpc>
-            <a:spcBef>
-              <a:spcPct val="0"/>
-            </a:spcBef>
-            <a:spcAft>
-              <a:spcPct val="35000"/>
-            </a:spcAft>
-          </a:pPr>
-          <a:r>
-            <a:rPr lang="en-CA" sz="2800" b="1" kern="1200" dirty="0" smtClean="0"/>
-            <a:t>Development</a:t>
-          </a:r>
-          <a:endParaRPr lang="en-CA" sz="2800" b="1" kern="1200" dirty="0"/>
-        </a:p>
-      </dsp:txBody>
-      <dsp:txXfrm>
-        <a:off x="4103942" y="4281794"/>
-        <a:ext cx="2437759" cy="1156325"/>
-      </dsp:txXfrm>
-    </dsp:sp>
-    <dsp:sp modelId="{DA16DA8B-5A62-4B10-B5A3-54F1224F1EA1}">
-      <dsp:nvSpPr>
-        <dsp:cNvPr id="0" name=""/>
-        <dsp:cNvSpPr/>
-      </dsp:nvSpPr>
-      <dsp:spPr>
-        <a:xfrm>
-          <a:off x="1300492" y="4219240"/>
-          <a:ext cx="2562867" cy="1281433"/>
-        </a:xfrm>
-        <a:prstGeom prst="roundRect">
-          <a:avLst/>
-        </a:prstGeom>
-        <a:solidFill>
-          <a:schemeClr val="accent5">
-            <a:hueOff val="0"/>
-            <a:satOff val="0"/>
-            <a:lumOff val="0"/>
-            <a:alphaOff val="0"/>
-          </a:schemeClr>
-        </a:solidFill>
-        <a:ln w="12700" cap="flat" cmpd="sng" algn="ctr">
-          <a:solidFill>
-            <a:schemeClr val="lt1">
-              <a:hueOff val="0"/>
-              <a:satOff val="0"/>
-              <a:lumOff val="0"/>
-              <a:alphaOff val="0"/>
-            </a:schemeClr>
-          </a:solidFill>
-          <a:prstDash val="solid"/>
-          <a:miter lim="800000"/>
-        </a:ln>
-        <a:effectLst/>
-      </dsp:spPr>
-      <dsp:style>
-        <a:lnRef idx="2">
-          <a:scrgbClr r="0" g="0" b="0"/>
-        </a:lnRef>
-        <a:fillRef idx="1">
-          <a:scrgbClr r="0" g="0" b="0"/>
-        </a:fillRef>
-        <a:effectRef idx="0">
-          <a:scrgbClr r="0" g="0" b="0"/>
-        </a:effectRef>
-        <a:fontRef idx="minor">
-          <a:schemeClr val="lt1"/>
-        </a:fontRef>
-      </dsp:style>
-      <dsp:txBody>
-        <a:bodyPr spcFirstLastPara="0" vert="horz" wrap="square" lIns="106680" tIns="106680" rIns="106680" bIns="106680" numCol="1" spcCol="1270" anchor="ctr" anchorCtr="0">
-          <a:noAutofit/>
-        </a:bodyPr>
-        <a:lstStyle/>
-        <a:p>
-          <a:pPr lvl="0" algn="ctr" defTabSz="1244600">
-            <a:lnSpc>
-              <a:spcPct val="90000"/>
-            </a:lnSpc>
-            <a:spcBef>
-              <a:spcPct val="0"/>
-            </a:spcBef>
-            <a:spcAft>
-              <a:spcPct val="35000"/>
-            </a:spcAft>
-          </a:pPr>
-          <a:r>
-            <a:rPr lang="en-CA" sz="2800" b="1" kern="1200" dirty="0" smtClean="0"/>
-            <a:t>Demo</a:t>
-          </a:r>
-          <a:endParaRPr lang="en-CA" sz="2800" b="1" kern="1200" dirty="0"/>
-        </a:p>
-      </dsp:txBody>
-      <dsp:txXfrm>
-        <a:off x="1363046" y="4281794"/>
-        <a:ext cx="2437759" cy="1156325"/>
-      </dsp:txXfrm>
-    </dsp:sp>
-    <dsp:sp modelId="{4AEE3785-1429-47EC-BCF0-909166196772}">
-      <dsp:nvSpPr>
-        <dsp:cNvPr id="0" name=""/>
-        <dsp:cNvSpPr/>
-      </dsp:nvSpPr>
-      <dsp:spPr>
-        <a:xfrm>
-          <a:off x="453509" y="1612493"/>
-          <a:ext cx="2562867" cy="1281433"/>
-        </a:xfrm>
-        <a:prstGeom prst="roundRect">
-          <a:avLst/>
-        </a:prstGeom>
-        <a:solidFill>
-          <a:schemeClr val="accent6">
-            <a:hueOff val="0"/>
-            <a:satOff val="0"/>
-            <a:lumOff val="0"/>
-            <a:alphaOff val="0"/>
-          </a:schemeClr>
-        </a:solidFill>
-        <a:ln w="12700" cap="flat" cmpd="sng" algn="ctr">
-          <a:solidFill>
-            <a:schemeClr val="lt1">
-              <a:hueOff val="0"/>
-              <a:satOff val="0"/>
-              <a:lumOff val="0"/>
-              <a:alphaOff val="0"/>
-            </a:schemeClr>
-          </a:solidFill>
-          <a:prstDash val="solid"/>
-          <a:miter lim="800000"/>
-        </a:ln>
-        <a:effectLst/>
-      </dsp:spPr>
-      <dsp:style>
-        <a:lnRef idx="2">
-          <a:scrgbClr r="0" g="0" b="0"/>
-        </a:lnRef>
-        <a:fillRef idx="1">
-          <a:scrgbClr r="0" g="0" b="0"/>
-        </a:fillRef>
-        <a:effectRef idx="0">
-          <a:scrgbClr r="0" g="0" b="0"/>
-        </a:effectRef>
-        <a:fontRef idx="minor">
-          <a:schemeClr val="lt1"/>
-        </a:fontRef>
-      </dsp:style>
-      <dsp:txBody>
-        <a:bodyPr spcFirstLastPara="0" vert="horz" wrap="square" lIns="106680" tIns="106680" rIns="106680" bIns="106680" numCol="1" spcCol="1270" anchor="ctr" anchorCtr="0">
-          <a:noAutofit/>
-        </a:bodyPr>
-        <a:lstStyle/>
-        <a:p>
-          <a:pPr lvl="0" algn="ctr" defTabSz="1244600">
-            <a:lnSpc>
-              <a:spcPct val="90000"/>
-            </a:lnSpc>
-            <a:spcBef>
-              <a:spcPct val="0"/>
-            </a:spcBef>
-            <a:spcAft>
-              <a:spcPct val="35000"/>
-            </a:spcAft>
-          </a:pPr>
-          <a:r>
-            <a:rPr lang="en-CA" sz="2800" b="1" kern="1200" dirty="0" smtClean="0"/>
-            <a:t>Customer</a:t>
-          </a:r>
-          <a:endParaRPr lang="en-CA" sz="2800" b="1" kern="1200" dirty="0"/>
-        </a:p>
-      </dsp:txBody>
-      <dsp:txXfrm>
-        <a:off x="516063" y="1675047"/>
-        <a:ext cx="2437759" cy="1156325"/>
-      </dsp:txXfrm>
-    </dsp:sp>
   </dsp:spTree>
 </dsp:drawing>
 </file>
